--- a/slide/Behave.pptx
+++ b/slide/Behave.pptx
@@ -15,6 +15,7 @@
     <p:sldId id="265" r:id="rId9"/>
     <p:sldId id="257" r:id="rId10"/>
     <p:sldId id="264" r:id="rId11"/>
+    <p:sldId id="266" r:id="rId12"/>
   </p:sldIdLst>
   <p:sldSz cx="12192000" cy="6858000"/>
   <p:notesSz cx="6858000" cy="9144000"/>
@@ -128,6 +129,7 @@
             <p14:sldId id="265"/>
             <p14:sldId id="257"/>
             <p14:sldId id="264"/>
+            <p14:sldId id="266"/>
           </p14:sldIdLst>
         </p14:section>
       </p14:sectionLst>
@@ -6220,6 +6222,707 @@
 </p:sld>
 </file>
 
+<file path=ppt/slides/slide11.xml><?xml version="1.0" encoding="utf-8"?>
+<p:sld xmlns:a="http://schemas.openxmlformats.org/drawingml/2006/main" xmlns:r="http://schemas.openxmlformats.org/officeDocument/2006/relationships" xmlns:p="http://schemas.openxmlformats.org/presentationml/2006/main">
+  <p:cSld>
+    <p:bg>
+      <p:bgPr>
+        <a:solidFill>
+          <a:schemeClr val="bg1"/>
+        </a:solidFill>
+        <a:effectLst/>
+      </p:bgPr>
+    </p:bg>
+    <p:spTree>
+      <p:nvGrpSpPr>
+        <p:cNvPr id="1" name=""/>
+        <p:cNvGrpSpPr/>
+        <p:nvPr/>
+      </p:nvGrpSpPr>
+      <p:grpSpPr>
+        <a:xfrm>
+          <a:off x="0" y="0"/>
+          <a:ext cx="0" cy="0"/>
+          <a:chOff x="0" y="0"/>
+          <a:chExt cx="0" cy="0"/>
+        </a:xfrm>
+      </p:grpSpPr>
+      <p:sp>
+        <p:nvSpPr>
+          <p:cNvPr id="42" name="Rectangle 41">
+            <a:extLst>
+              <a:ext uri="{FF2B5EF4-FFF2-40B4-BE49-F238E27FC236}">
+                <a16:creationId xmlns:a16="http://schemas.microsoft.com/office/drawing/2014/main" id="{66577554-36D9-4AB4-9D46-76AC4A790BE7}"/>
+              </a:ext>
+              <a:ext uri="{C183D7F6-B498-43B3-948B-1728B52AA6E4}">
+                <adec:decorative xmlns:adec="http://schemas.microsoft.com/office/drawing/2017/decorative" val="1"/>
+              </a:ext>
+            </a:extLst>
+          </p:cNvPr>
+          <p:cNvSpPr>
+            <a:spLocks noGrp="1" noRot="1" noChangeAspect="1" noMove="1" noResize="1" noEditPoints="1" noAdjustHandles="1" noChangeArrowheads="1" noChangeShapeType="1" noTextEdit="1"/>
+          </p:cNvSpPr>
+          <p:nvPr>
+            <p:extLst>
+              <p:ext uri="{386F3935-93C4-4BCD-93E2-E3B085C9AB24}">
+                <p16:designElem xmlns:p16="http://schemas.microsoft.com/office/powerpoint/2015/main" val="1"/>
+              </p:ext>
+            </p:extLst>
+          </p:nvPr>
+        </p:nvSpPr>
+        <p:spPr>
+          <a:xfrm>
+            <a:off x="1" y="0"/>
+            <a:ext cx="12192000" cy="6858000"/>
+          </a:xfrm>
+          <a:prstGeom prst="rect">
+            <a:avLst/>
+          </a:prstGeom>
+          <a:blipFill dpi="0" rotWithShape="1">
+            <a:blip r:embed="rId2">
+              <a:alphaModFix amt="45000"/>
+              <a:duotone>
+                <a:schemeClr val="accent2">
+                  <a:shade val="45000"/>
+                  <a:satMod val="135000"/>
+                </a:schemeClr>
+                <a:prstClr val="white"/>
+              </a:duotone>
+            </a:blip>
+            <a:srcRect/>
+            <a:tile tx="-31750" ty="-120650" sx="100000" sy="100000" flip="xy" algn="tl"/>
+          </a:blipFill>
+          <a:ln w="19050" cmpd="sng">
+            <a:noFill/>
+            <a:miter lim="800000"/>
+          </a:ln>
+        </p:spPr>
+        <p:style>
+          <a:lnRef idx="2">
+            <a:schemeClr val="accent1">
+              <a:shade val="50000"/>
+            </a:schemeClr>
+          </a:lnRef>
+          <a:fillRef idx="1">
+            <a:schemeClr val="accent1"/>
+          </a:fillRef>
+          <a:effectRef idx="0">
+            <a:schemeClr val="accent1"/>
+          </a:effectRef>
+          <a:fontRef idx="minor">
+            <a:schemeClr val="lt1"/>
+          </a:fontRef>
+        </p:style>
+      </p:sp>
+      <p:sp>
+        <p:nvSpPr>
+          <p:cNvPr id="44" name="Rectangle 43">
+            <a:extLst>
+              <a:ext uri="{FF2B5EF4-FFF2-40B4-BE49-F238E27FC236}">
+                <a16:creationId xmlns:a16="http://schemas.microsoft.com/office/drawing/2014/main" id="{25F55E26-3E89-4C31-ADE5-C947305854AF}"/>
+              </a:ext>
+              <a:ext uri="{C183D7F6-B498-43B3-948B-1728B52AA6E4}">
+                <adec:decorative xmlns:adec="http://schemas.microsoft.com/office/drawing/2017/decorative" val="1"/>
+              </a:ext>
+            </a:extLst>
+          </p:cNvPr>
+          <p:cNvSpPr>
+            <a:spLocks noGrp="1" noRot="1" noChangeAspect="1" noMove="1" noResize="1" noEditPoints="1" noAdjustHandles="1" noChangeArrowheads="1" noChangeShapeType="1" noTextEdit="1"/>
+          </p:cNvSpPr>
+          <p:nvPr>
+            <p:extLst>
+              <p:ext uri="{386F3935-93C4-4BCD-93E2-E3B085C9AB24}">
+                <p16:designElem xmlns:p16="http://schemas.microsoft.com/office/powerpoint/2015/main" val="1"/>
+              </p:ext>
+            </p:extLst>
+          </p:nvPr>
+        </p:nvSpPr>
+        <p:spPr>
+          <a:xfrm>
+            <a:off x="1307870" y="1267730"/>
+            <a:ext cx="9576262" cy="4307950"/>
+          </a:xfrm>
+          <a:prstGeom prst="rect">
+            <a:avLst/>
+          </a:prstGeom>
+          <a:solidFill>
+            <a:schemeClr val="tx1"/>
+          </a:solidFill>
+          <a:ln w="6350" cap="flat" cmpd="sng" algn="ctr">
+            <a:solidFill>
+              <a:schemeClr val="tx1">
+                <a:lumMod val="65000"/>
+                <a:lumOff val="35000"/>
+              </a:schemeClr>
+            </a:solidFill>
+            <a:prstDash val="solid"/>
+          </a:ln>
+          <a:effectLst>
+            <a:outerShdw blurRad="63500" algn="ctr" rotWithShape="0">
+              <a:prstClr val="black">
+                <a:alpha val="40000"/>
+              </a:prstClr>
+            </a:outerShdw>
+            <a:softEdge rad="0"/>
+          </a:effectLst>
+        </p:spPr>
+      </p:sp>
+      <p:sp>
+        <p:nvSpPr>
+          <p:cNvPr id="46" name="Rectangle 45">
+            <a:extLst>
+              <a:ext uri="{FF2B5EF4-FFF2-40B4-BE49-F238E27FC236}">
+                <a16:creationId xmlns:a16="http://schemas.microsoft.com/office/drawing/2014/main" id="{CF75E873-2EC1-4744-A510-C9CED8A5E690}"/>
+              </a:ext>
+              <a:ext uri="{C183D7F6-B498-43B3-948B-1728B52AA6E4}">
+                <adec:decorative xmlns:adec="http://schemas.microsoft.com/office/drawing/2017/decorative" val="1"/>
+              </a:ext>
+            </a:extLst>
+          </p:cNvPr>
+          <p:cNvSpPr>
+            <a:spLocks noGrp="1" noRot="1" noChangeAspect="1" noMove="1" noResize="1" noEditPoints="1" noAdjustHandles="1" noChangeArrowheads="1" noChangeShapeType="1" noTextEdit="1"/>
+          </p:cNvSpPr>
+          <p:nvPr>
+            <p:extLst>
+              <p:ext uri="{386F3935-93C4-4BCD-93E2-E3B085C9AB24}">
+                <p16:designElem xmlns:p16="http://schemas.microsoft.com/office/powerpoint/2015/main" val="1"/>
+              </p:ext>
+            </p:extLst>
+          </p:nvPr>
+        </p:nvSpPr>
+        <p:spPr>
+          <a:xfrm>
+            <a:off x="1447801" y="1411615"/>
+            <a:ext cx="9296400" cy="4034770"/>
+          </a:xfrm>
+          <a:prstGeom prst="rect">
+            <a:avLst/>
+          </a:prstGeom>
+          <a:solidFill>
+            <a:schemeClr val="bg2"/>
+          </a:solidFill>
+          <a:ln w="9525" cap="sq" cmpd="sng" algn="ctr">
+            <a:noFill/>
+            <a:prstDash val="solid"/>
+            <a:miter lim="800000"/>
+          </a:ln>
+          <a:effectLst/>
+        </p:spPr>
+      </p:sp>
+      <p:sp>
+        <p:nvSpPr>
+          <p:cNvPr id="48" name="Rectangle 47">
+            <a:extLst>
+              <a:ext uri="{FF2B5EF4-FFF2-40B4-BE49-F238E27FC236}">
+                <a16:creationId xmlns:a16="http://schemas.microsoft.com/office/drawing/2014/main" id="{95CEB23F-DC25-4957-A6C5-2D060645B288}"/>
+              </a:ext>
+              <a:ext uri="{C183D7F6-B498-43B3-948B-1728B52AA6E4}">
+                <adec:decorative xmlns:adec="http://schemas.microsoft.com/office/drawing/2017/decorative" val="1"/>
+              </a:ext>
+            </a:extLst>
+          </p:cNvPr>
+          <p:cNvSpPr>
+            <a:spLocks noGrp="1" noRot="1" noChangeAspect="1" noMove="1" noResize="1" noEditPoints="1" noAdjustHandles="1" noChangeArrowheads="1" noChangeShapeType="1" noTextEdit="1"/>
+          </p:cNvSpPr>
+          <p:nvPr>
+            <p:extLst>
+              <p:ext uri="{386F3935-93C4-4BCD-93E2-E3B085C9AB24}">
+                <p16:designElem xmlns:p16="http://schemas.microsoft.com/office/powerpoint/2015/main" val="1"/>
+              </p:ext>
+            </p:extLst>
+          </p:nvPr>
+        </p:nvSpPr>
+        <p:spPr>
+          <a:xfrm>
+            <a:off x="5135880" y="1267730"/>
+            <a:ext cx="1920240" cy="731520"/>
+          </a:xfrm>
+          <a:prstGeom prst="rect">
+            <a:avLst/>
+          </a:prstGeom>
+          <a:solidFill>
+            <a:schemeClr val="accent1"/>
+          </a:solidFill>
+          <a:ln>
+            <a:noFill/>
+          </a:ln>
+          <a:effectLst>
+            <a:outerShdw blurRad="50800" dist="12700" dir="5400000" algn="t" rotWithShape="0">
+              <a:prstClr val="black">
+                <a:alpha val="40000"/>
+              </a:prstClr>
+            </a:outerShdw>
+          </a:effectLst>
+        </p:spPr>
+        <p:style>
+          <a:lnRef idx="2">
+            <a:schemeClr val="accent1">
+              <a:shade val="50000"/>
+            </a:schemeClr>
+          </a:lnRef>
+          <a:fillRef idx="1">
+            <a:schemeClr val="accent1"/>
+          </a:fillRef>
+          <a:effectRef idx="0">
+            <a:schemeClr val="accent1"/>
+          </a:effectRef>
+          <a:fontRef idx="minor">
+            <a:schemeClr val="lt1"/>
+          </a:fontRef>
+        </p:style>
+      </p:sp>
+      <p:grpSp>
+        <p:nvGrpSpPr>
+          <p:cNvPr id="50" name="Group 49">
+            <a:extLst>
+              <a:ext uri="{FF2B5EF4-FFF2-40B4-BE49-F238E27FC236}">
+                <a16:creationId xmlns:a16="http://schemas.microsoft.com/office/drawing/2014/main" id="{F9439589-68CE-4F2E-8851-4A2A43EC297D}"/>
+              </a:ext>
+              <a:ext uri="{C183D7F6-B498-43B3-948B-1728B52AA6E4}">
+                <adec:decorative xmlns:adec="http://schemas.microsoft.com/office/drawing/2017/decorative" val="1"/>
+              </a:ext>
+            </a:extLst>
+          </p:cNvPr>
+          <p:cNvGrpSpPr>
+            <a:grpSpLocks noGrp="1" noUngrp="1" noRot="1" noChangeAspect="1" noMove="1" noResize="1"/>
+          </p:cNvGrpSpPr>
+          <p:nvPr>
+            <p:extLst>
+              <p:ext uri="{386F3935-93C4-4BCD-93E2-E3B085C9AB24}">
+                <p16:designElem xmlns:p16="http://schemas.microsoft.com/office/powerpoint/2015/main" val="1"/>
+              </p:ext>
+            </p:extLst>
+          </p:nvPr>
+        </p:nvGrpSpPr>
+        <p:grpSpPr>
+          <a:xfrm>
+            <a:off x="4828372" y="1267730"/>
+            <a:ext cx="1567331" cy="645295"/>
+            <a:chOff x="5318306" y="1386268"/>
+            <a:chExt cx="1567331" cy="645295"/>
+          </a:xfrm>
+        </p:grpSpPr>
+        <p:cxnSp>
+          <p:nvCxnSpPr>
+            <p:cNvPr id="51" name="Straight Connector 50">
+              <a:extLst>
+                <a:ext uri="{FF2B5EF4-FFF2-40B4-BE49-F238E27FC236}">
+                  <a16:creationId xmlns:a16="http://schemas.microsoft.com/office/drawing/2014/main" id="{A50AFDAA-823E-410E-AA59-59B163EC37CB}"/>
+                </a:ext>
+                <a:ext uri="{C183D7F6-B498-43B3-948B-1728B52AA6E4}">
+                  <adec:decorative xmlns:adec="http://schemas.microsoft.com/office/drawing/2017/decorative" val="1"/>
+                </a:ext>
+              </a:extLst>
+            </p:cNvPr>
+            <p:cNvCxnSpPr/>
+            <p:nvPr>
+              <p:extLst>
+                <p:ext uri="{386F3935-93C4-4BCD-93E2-E3B085C9AB24}">
+                  <p16:designElem xmlns:p16="http://schemas.microsoft.com/office/powerpoint/2015/main" val="1"/>
+                </p:ext>
+              </p:extLst>
+            </p:nvPr>
+          </p:nvCxnSpPr>
+          <p:spPr>
+            <a:xfrm>
+              <a:off x="5318306" y="1386268"/>
+              <a:ext cx="0" cy="640080"/>
+            </a:xfrm>
+            <a:prstGeom prst="line">
+              <a:avLst/>
+            </a:prstGeom>
+            <a:solidFill>
+              <a:schemeClr val="tx1">
+                <a:lumMod val="85000"/>
+                <a:lumOff val="15000"/>
+              </a:schemeClr>
+            </a:solidFill>
+            <a:ln>
+              <a:solidFill>
+                <a:srgbClr val="FFFFFF"/>
+              </a:solidFill>
+              <a:miter lim="800000"/>
+            </a:ln>
+          </p:spPr>
+          <p:style>
+            <a:lnRef idx="1">
+              <a:schemeClr val="accent1"/>
+            </a:lnRef>
+            <a:fillRef idx="0">
+              <a:schemeClr val="accent1"/>
+            </a:fillRef>
+            <a:effectRef idx="0">
+              <a:schemeClr val="accent1"/>
+            </a:effectRef>
+            <a:fontRef idx="minor">
+              <a:schemeClr val="tx1"/>
+            </a:fontRef>
+          </p:style>
+        </p:cxnSp>
+        <p:cxnSp>
+          <p:nvCxnSpPr>
+            <p:cNvPr id="52" name="Straight Connector 51">
+              <a:extLst>
+                <a:ext uri="{FF2B5EF4-FFF2-40B4-BE49-F238E27FC236}">
+                  <a16:creationId xmlns:a16="http://schemas.microsoft.com/office/drawing/2014/main" id="{394F9F62-BFA0-4A06-9FEB-B0C393C4B036}"/>
+                </a:ext>
+                <a:ext uri="{C183D7F6-B498-43B3-948B-1728B52AA6E4}">
+                  <adec:decorative xmlns:adec="http://schemas.microsoft.com/office/drawing/2017/decorative" val="1"/>
+                </a:ext>
+              </a:extLst>
+            </p:cNvPr>
+            <p:cNvCxnSpPr/>
+            <p:nvPr>
+              <p:extLst>
+                <p:ext uri="{386F3935-93C4-4BCD-93E2-E3B085C9AB24}">
+                  <p16:designElem xmlns:p16="http://schemas.microsoft.com/office/powerpoint/2015/main" val="1"/>
+                </p:ext>
+              </p:extLst>
+            </p:nvPr>
+          </p:nvCxnSpPr>
+          <p:spPr>
+            <a:xfrm>
+              <a:off x="6885637" y="1386268"/>
+              <a:ext cx="0" cy="640080"/>
+            </a:xfrm>
+            <a:prstGeom prst="line">
+              <a:avLst/>
+            </a:prstGeom>
+            <a:solidFill>
+              <a:schemeClr val="tx1">
+                <a:lumMod val="85000"/>
+                <a:lumOff val="15000"/>
+              </a:schemeClr>
+            </a:solidFill>
+            <a:ln>
+              <a:solidFill>
+                <a:srgbClr val="FFFFFF"/>
+              </a:solidFill>
+              <a:miter lim="800000"/>
+            </a:ln>
+          </p:spPr>
+          <p:style>
+            <a:lnRef idx="1">
+              <a:schemeClr val="accent1"/>
+            </a:lnRef>
+            <a:fillRef idx="0">
+              <a:schemeClr val="accent1"/>
+            </a:fillRef>
+            <a:effectRef idx="0">
+              <a:schemeClr val="accent1"/>
+            </a:effectRef>
+            <a:fontRef idx="minor">
+              <a:schemeClr val="tx1"/>
+            </a:fontRef>
+          </p:style>
+        </p:cxnSp>
+        <p:cxnSp>
+          <p:nvCxnSpPr>
+            <p:cNvPr id="53" name="Straight Connector 52">
+              <a:extLst>
+                <a:ext uri="{FF2B5EF4-FFF2-40B4-BE49-F238E27FC236}">
+                  <a16:creationId xmlns:a16="http://schemas.microsoft.com/office/drawing/2014/main" id="{7FBCD850-0871-4F29-8821-5B688719FD32}"/>
+                </a:ext>
+                <a:ext uri="{C183D7F6-B498-43B3-948B-1728B52AA6E4}">
+                  <adec:decorative xmlns:adec="http://schemas.microsoft.com/office/drawing/2017/decorative" val="1"/>
+                </a:ext>
+              </a:extLst>
+            </p:cNvPr>
+            <p:cNvCxnSpPr/>
+            <p:nvPr>
+              <p:extLst>
+                <p:ext uri="{386F3935-93C4-4BCD-93E2-E3B085C9AB24}">
+                  <p16:designElem xmlns:p16="http://schemas.microsoft.com/office/powerpoint/2015/main" val="1"/>
+                </p:ext>
+              </p:extLst>
+            </p:nvPr>
+          </p:nvCxnSpPr>
+          <p:spPr>
+            <a:xfrm>
+              <a:off x="5318306" y="2031563"/>
+              <a:ext cx="1567331" cy="0"/>
+            </a:xfrm>
+            <a:prstGeom prst="line">
+              <a:avLst/>
+            </a:prstGeom>
+            <a:solidFill>
+              <a:schemeClr val="tx1">
+                <a:lumMod val="85000"/>
+                <a:lumOff val="15000"/>
+              </a:schemeClr>
+            </a:solidFill>
+            <a:ln>
+              <a:solidFill>
+                <a:srgbClr val="FFFFFF"/>
+              </a:solidFill>
+              <a:miter lim="800000"/>
+            </a:ln>
+          </p:spPr>
+          <p:style>
+            <a:lnRef idx="1">
+              <a:schemeClr val="accent1"/>
+            </a:lnRef>
+            <a:fillRef idx="0">
+              <a:schemeClr val="accent1"/>
+            </a:fillRef>
+            <a:effectRef idx="0">
+              <a:schemeClr val="accent1"/>
+            </a:effectRef>
+            <a:fontRef idx="minor">
+              <a:schemeClr val="tx1"/>
+            </a:fontRef>
+          </p:style>
+        </p:cxnSp>
+      </p:grpSp>
+      <p:sp useBgFill="1">
+        <p:nvSpPr>
+          <p:cNvPr id="55" name="Rectangle 54">
+            <a:extLst>
+              <a:ext uri="{FF2B5EF4-FFF2-40B4-BE49-F238E27FC236}">
+                <a16:creationId xmlns:a16="http://schemas.microsoft.com/office/drawing/2014/main" id="{609E572D-3AE7-44FA-8D33-CB61DF266B19}"/>
+              </a:ext>
+              <a:ext uri="{C183D7F6-B498-43B3-948B-1728B52AA6E4}">
+                <adec:decorative xmlns:adec="http://schemas.microsoft.com/office/drawing/2017/decorative" val="1"/>
+              </a:ext>
+            </a:extLst>
+          </p:cNvPr>
+          <p:cNvSpPr>
+            <a:spLocks noGrp="1" noRot="1" noChangeAspect="1" noMove="1" noResize="1" noEditPoints="1" noAdjustHandles="1" noChangeArrowheads="1" noChangeShapeType="1" noTextEdit="1"/>
+          </p:cNvSpPr>
+          <p:nvPr>
+            <p:extLst>
+              <p:ext uri="{386F3935-93C4-4BCD-93E2-E3B085C9AB24}">
+                <p16:designElem xmlns:p16="http://schemas.microsoft.com/office/powerpoint/2015/main" val="1"/>
+              </p:ext>
+            </p:extLst>
+          </p:nvPr>
+        </p:nvSpPr>
+        <p:spPr>
+          <a:xfrm>
+            <a:off x="0" y="0"/>
+            <a:ext cx="12192000" cy="6858000"/>
+          </a:xfrm>
+          <a:prstGeom prst="rect">
+            <a:avLst/>
+          </a:prstGeom>
+          <a:ln>
+            <a:noFill/>
+          </a:ln>
+        </p:spPr>
+        <p:style>
+          <a:lnRef idx="2">
+            <a:schemeClr val="accent1">
+              <a:shade val="50000"/>
+            </a:schemeClr>
+          </a:lnRef>
+          <a:fillRef idx="1">
+            <a:schemeClr val="accent1"/>
+          </a:fillRef>
+          <a:effectRef idx="0">
+            <a:schemeClr val="accent1"/>
+          </a:effectRef>
+          <a:fontRef idx="minor">
+            <a:schemeClr val="lt1"/>
+          </a:fontRef>
+        </p:style>
+        <p:txBody>
+          <a:bodyPr rtlCol="0" anchor="ctr"/>
+          <a:lstStyle/>
+          <a:p>
+            <a:pPr algn="ctr"/>
+            <a:endParaRPr lang="en-US"/>
+          </a:p>
+        </p:txBody>
+      </p:sp>
+      <p:sp>
+        <p:nvSpPr>
+          <p:cNvPr id="57" name="Rectangle 56">
+            <a:extLst>
+              <a:ext uri="{FF2B5EF4-FFF2-40B4-BE49-F238E27FC236}">
+                <a16:creationId xmlns:a16="http://schemas.microsoft.com/office/drawing/2014/main" id="{7C4BA24A-9299-4ADA-8C27-360038A8506E}"/>
+              </a:ext>
+              <a:ext uri="{C183D7F6-B498-43B3-948B-1728B52AA6E4}">
+                <adec:decorative xmlns:adec="http://schemas.microsoft.com/office/drawing/2017/decorative" val="1"/>
+              </a:ext>
+            </a:extLst>
+          </p:cNvPr>
+          <p:cNvSpPr>
+            <a:spLocks noGrp="1" noRot="1" noChangeAspect="1" noMove="1" noResize="1" noEditPoints="1" noAdjustHandles="1" noChangeArrowheads="1" noChangeShapeType="1" noTextEdit="1"/>
+          </p:cNvSpPr>
+          <p:nvPr>
+            <p:extLst>
+              <p:ext uri="{386F3935-93C4-4BCD-93E2-E3B085C9AB24}">
+                <p16:designElem xmlns:p16="http://schemas.microsoft.com/office/powerpoint/2015/main" val="1"/>
+              </p:ext>
+            </p:extLst>
+          </p:nvPr>
+        </p:nvSpPr>
+        <p:spPr>
+          <a:xfrm>
+            <a:off x="466928" y="484632"/>
+            <a:ext cx="11244036" cy="5880916"/>
+          </a:xfrm>
+          <a:prstGeom prst="rect">
+            <a:avLst/>
+          </a:prstGeom>
+          <a:solidFill>
+            <a:schemeClr val="accent1"/>
+          </a:solidFill>
+          <a:ln w="15875">
+            <a:noFill/>
+          </a:ln>
+        </p:spPr>
+        <p:style>
+          <a:lnRef idx="2">
+            <a:schemeClr val="accent1">
+              <a:shade val="50000"/>
+            </a:schemeClr>
+          </a:lnRef>
+          <a:fillRef idx="1">
+            <a:schemeClr val="accent1"/>
+          </a:fillRef>
+          <a:effectRef idx="0">
+            <a:schemeClr val="accent1"/>
+          </a:effectRef>
+          <a:fontRef idx="minor">
+            <a:schemeClr val="lt1"/>
+          </a:fontRef>
+        </p:style>
+        <p:txBody>
+          <a:bodyPr rtlCol="0" anchor="ctr"/>
+          <a:lstStyle/>
+          <a:p>
+            <a:pPr algn="ctr"/>
+            <a:endParaRPr lang="en-US"/>
+          </a:p>
+        </p:txBody>
+      </p:sp>
+      <p:sp>
+        <p:nvSpPr>
+          <p:cNvPr id="2" name="TextBox 1">
+            <a:extLst>
+              <a:ext uri="{FF2B5EF4-FFF2-40B4-BE49-F238E27FC236}">
+                <a16:creationId xmlns:a16="http://schemas.microsoft.com/office/drawing/2014/main" id="{2783DF72-C6E0-4C3C-96AB-18C4C88085CE}"/>
+              </a:ext>
+            </a:extLst>
+          </p:cNvPr>
+          <p:cNvSpPr txBox="1"/>
+          <p:nvPr/>
+        </p:nvSpPr>
+        <p:spPr>
+          <a:xfrm>
+            <a:off x="4365356" y="810275"/>
+            <a:ext cx="7020747" cy="5229630"/>
+          </a:xfrm>
+          <a:prstGeom prst="rect">
+            <a:avLst/>
+          </a:prstGeom>
+        </p:spPr>
+        <p:txBody>
+          <a:bodyPr vert="horz" lIns="91440" tIns="45720" rIns="91440" bIns="45720" rtlCol="0" anchor="ctr">
+            <a:normAutofit/>
+          </a:bodyPr>
+          <a:lstStyle/>
+          <a:p>
+            <a:pPr defTabSz="914400">
+              <a:lnSpc>
+                <a:spcPct val="83000"/>
+              </a:lnSpc>
+              <a:spcBef>
+                <a:spcPct val="0"/>
+              </a:spcBef>
+              <a:spcAft>
+                <a:spcPts val="600"/>
+              </a:spcAft>
+            </a:pPr>
+            <a:r>
+              <a:rPr lang="en-US" sz="6600" b="0" kern="1200" cap="all" spc="-100" baseline="0">
+                <a:solidFill>
+                  <a:srgbClr val="FFFFFF"/>
+                </a:solidFill>
+                <a:effectLst>
+                  <a:outerShdw blurRad="38100" dist="12700" dir="2700000" algn="tl" rotWithShape="0">
+                    <a:prstClr val="black">
+                      <a:alpha val="40000"/>
+                    </a:prstClr>
+                  </a:outerShdw>
+                </a:effectLst>
+                <a:latin typeface="+mj-lt"/>
+                <a:ea typeface="+mn-ea"/>
+                <a:cs typeface="+mn-cs"/>
+              </a:rPr>
+              <a:t>Let's check out a real-world example</a:t>
+            </a:r>
+          </a:p>
+        </p:txBody>
+      </p:sp>
+      <p:cxnSp>
+        <p:nvCxnSpPr>
+          <p:cNvPr id="59" name="Straight Connector 58">
+            <a:extLst>
+              <a:ext uri="{FF2B5EF4-FFF2-40B4-BE49-F238E27FC236}">
+                <a16:creationId xmlns:a16="http://schemas.microsoft.com/office/drawing/2014/main" id="{09FB0A77-2362-4C21-90AC-70DBC85905BA}"/>
+              </a:ext>
+              <a:ext uri="{C183D7F6-B498-43B3-948B-1728B52AA6E4}">
+                <adec:decorative xmlns:adec="http://schemas.microsoft.com/office/drawing/2017/decorative" val="1"/>
+              </a:ext>
+            </a:extLst>
+          </p:cNvPr>
+          <p:cNvCxnSpPr>
+            <a:cxnSpLocks noGrp="1" noRot="1" noChangeAspect="1" noMove="1" noResize="1" noEditPoints="1" noAdjustHandles="1" noChangeArrowheads="1" noChangeShapeType="1"/>
+          </p:cNvCxnSpPr>
+          <p:nvPr>
+            <p:extLst>
+              <p:ext uri="{386F3935-93C4-4BCD-93E2-E3B085C9AB24}">
+                <p16:designElem xmlns:p16="http://schemas.microsoft.com/office/powerpoint/2015/main" val="1"/>
+              </p:ext>
+            </p:extLst>
+          </p:nvPr>
+        </p:nvCxnSpPr>
+        <p:spPr>
+          <a:xfrm>
+            <a:off x="4059935" y="1596290"/>
+            <a:ext cx="0" cy="3657600"/>
+          </a:xfrm>
+          <a:prstGeom prst="line">
+            <a:avLst/>
+          </a:prstGeom>
+          <a:ln w="19050">
+            <a:solidFill>
+              <a:srgbClr val="FFFFFF">
+                <a:alpha val="70000"/>
+              </a:srgbClr>
+            </a:solidFill>
+          </a:ln>
+        </p:spPr>
+        <p:style>
+          <a:lnRef idx="1">
+            <a:schemeClr val="accent1"/>
+          </a:lnRef>
+          <a:fillRef idx="0">
+            <a:schemeClr val="accent1"/>
+          </a:fillRef>
+          <a:effectRef idx="0">
+            <a:schemeClr val="accent1"/>
+          </a:effectRef>
+          <a:fontRef idx="minor">
+            <a:schemeClr val="tx1"/>
+          </a:fontRef>
+        </p:style>
+      </p:cxnSp>
+    </p:spTree>
+    <p:extLst>
+      <p:ext uri="{BB962C8B-B14F-4D97-AF65-F5344CB8AC3E}">
+        <p14:creationId xmlns:p14="http://schemas.microsoft.com/office/powerpoint/2010/main" val="4025111679"/>
+      </p:ext>
+    </p:extLst>
+  </p:cSld>
+  <p:clrMapOvr>
+    <a:overrideClrMapping bg1="lt1" tx1="dk1" bg2="lt2" tx2="dk2" accent1="accent1" accent2="accent2" accent3="accent3" accent4="accent4" accent5="accent5" accent6="accent6" hlink="hlink" folHlink="folHlink"/>
+  </p:clrMapOvr>
+</p:sld>
+</file>
+
 <file path=ppt/slides/slide2.xml><?xml version="1.0" encoding="utf-8"?>
 <p:sld xmlns:a="http://schemas.openxmlformats.org/drawingml/2006/main" xmlns:r="http://schemas.openxmlformats.org/officeDocument/2006/relationships" xmlns:p="http://schemas.openxmlformats.org/presentationml/2006/main">
   <p:cSld>
@@ -8524,22 +9227,18 @@
               <a:rPr lang="en-US" sz="3600" b="1" dirty="0">
                 <a:latin typeface="Lato"/>
               </a:rPr>
-              <a:t>Installation</a:t>
+              <a:t>Tableized Test</a:t>
             </a:r>
-            <a:endParaRPr lang="en-US" sz="2400" b="1" dirty="0">
-              <a:solidFill>
-                <a:schemeClr val="bg1"/>
-              </a:solidFill>
-            </a:endParaRPr>
+            <a:endParaRPr lang="en-US" sz="2400" b="1" dirty="0"/>
           </a:p>
         </p:txBody>
       </p:sp>
       <p:pic>
         <p:nvPicPr>
-          <p:cNvPr id="8" name="Picture 7">
+          <p:cNvPr id="4" name="Picture 3">
             <a:extLst>
               <a:ext uri="{FF2B5EF4-FFF2-40B4-BE49-F238E27FC236}">
-                <a16:creationId xmlns:a16="http://schemas.microsoft.com/office/drawing/2014/main" id="{64CD32ED-FC3C-4A3B-B109-D96307AE25FF}"/>
+                <a16:creationId xmlns:a16="http://schemas.microsoft.com/office/drawing/2014/main" id="{53C6886A-7ECE-4204-8BAF-25EC4EA80D24}"/>
               </a:ext>
             </a:extLst>
           </p:cNvPr>
@@ -8556,8 +9255,8 @@
         </p:blipFill>
         <p:spPr>
           <a:xfrm>
-            <a:off x="3593465" y="2959774"/>
-            <a:ext cx="5005070" cy="938451"/>
+            <a:off x="1728178" y="1521303"/>
+            <a:ext cx="8735644" cy="4725059"/>
           </a:xfrm>
           <a:prstGeom prst="rect">
             <a:avLst/>

--- a/slide/Behave.pptx
+++ b/slide/Behave.pptx
@@ -7,15 +7,17 @@
   <p:sldIdLst>
     <p:sldId id="256" r:id="rId2"/>
     <p:sldId id="258" r:id="rId3"/>
-    <p:sldId id="259" r:id="rId4"/>
-    <p:sldId id="260" r:id="rId5"/>
-    <p:sldId id="261" r:id="rId6"/>
-    <p:sldId id="262" r:id="rId7"/>
-    <p:sldId id="263" r:id="rId8"/>
-    <p:sldId id="265" r:id="rId9"/>
-    <p:sldId id="257" r:id="rId10"/>
-    <p:sldId id="264" r:id="rId11"/>
-    <p:sldId id="266" r:id="rId12"/>
+    <p:sldId id="267" r:id="rId4"/>
+    <p:sldId id="259" r:id="rId5"/>
+    <p:sldId id="260" r:id="rId6"/>
+    <p:sldId id="261" r:id="rId7"/>
+    <p:sldId id="262" r:id="rId8"/>
+    <p:sldId id="263" r:id="rId9"/>
+    <p:sldId id="265" r:id="rId10"/>
+    <p:sldId id="257" r:id="rId11"/>
+    <p:sldId id="268" r:id="rId12"/>
+    <p:sldId id="264" r:id="rId13"/>
+    <p:sldId id="266" r:id="rId14"/>
   </p:sldIdLst>
   <p:sldSz cx="12192000" cy="6858000"/>
   <p:notesSz cx="6858000" cy="9144000"/>
@@ -121,6 +123,7 @@
           <p14:sldIdLst>
             <p14:sldId id="256"/>
             <p14:sldId id="258"/>
+            <p14:sldId id="267"/>
             <p14:sldId id="259"/>
             <p14:sldId id="260"/>
             <p14:sldId id="261"/>
@@ -128,6 +131,7 @@
             <p14:sldId id="263"/>
             <p14:sldId id="265"/>
             <p14:sldId id="257"/>
+            <p14:sldId id="268"/>
             <p14:sldId id="264"/>
             <p14:sldId id="266"/>
           </p14:sldIdLst>
@@ -4595,6 +4599,1354 @@
 <file path=ppt/slides/slide10.xml><?xml version="1.0" encoding="utf-8"?>
 <p:sld xmlns:a="http://schemas.openxmlformats.org/drawingml/2006/main" xmlns:r="http://schemas.openxmlformats.org/officeDocument/2006/relationships" xmlns:p="http://schemas.openxmlformats.org/presentationml/2006/main">
   <p:cSld>
+    <p:spTree>
+      <p:nvGrpSpPr>
+        <p:cNvPr id="1" name=""/>
+        <p:cNvGrpSpPr/>
+        <p:nvPr/>
+      </p:nvGrpSpPr>
+      <p:grpSpPr>
+        <a:xfrm>
+          <a:off x="0" y="0"/>
+          <a:ext cx="0" cy="0"/>
+          <a:chOff x="0" y="0"/>
+          <a:chExt cx="0" cy="0"/>
+        </a:xfrm>
+      </p:grpSpPr>
+      <p:sp>
+        <p:nvSpPr>
+          <p:cNvPr id="2" name="Subtitle 2">
+            <a:extLst>
+              <a:ext uri="{FF2B5EF4-FFF2-40B4-BE49-F238E27FC236}">
+                <a16:creationId xmlns:a16="http://schemas.microsoft.com/office/drawing/2014/main" id="{C7243ABB-FF26-472D-99CC-4734FBAA349B}"/>
+              </a:ext>
+            </a:extLst>
+          </p:cNvPr>
+          <p:cNvSpPr txBox="1">
+            <a:spLocks/>
+          </p:cNvSpPr>
+          <p:nvPr/>
+        </p:nvSpPr>
+        <p:spPr>
+          <a:xfrm>
+            <a:off x="917161" y="918824"/>
+            <a:ext cx="3185501" cy="602479"/>
+          </a:xfrm>
+          <a:prstGeom prst="rect">
+            <a:avLst/>
+          </a:prstGeom>
+        </p:spPr>
+        <p:txBody>
+          <a:bodyPr>
+            <a:normAutofit/>
+          </a:bodyPr>
+          <a:lstStyle>
+            <a:lvl1pPr marL="228600" indent="-228600" algn="l" defTabSz="914400" rtl="0" eaLnBrk="1" latinLnBrk="0" hangingPunct="1">
+              <a:lnSpc>
+                <a:spcPct val="90000"/>
+              </a:lnSpc>
+              <a:spcBef>
+                <a:spcPts val="1000"/>
+              </a:spcBef>
+              <a:buFont typeface="Arial" panose="020B0604020202020204" pitchFamily="34" charset="0"/>
+              <a:buChar char="•"/>
+              <a:defRPr sz="2800" kern="1200">
+                <a:solidFill>
+                  <a:schemeClr val="tx1"/>
+                </a:solidFill>
+                <a:latin typeface="+mn-lt"/>
+                <a:ea typeface="+mn-ea"/>
+                <a:cs typeface="+mn-cs"/>
+              </a:defRPr>
+            </a:lvl1pPr>
+            <a:lvl2pPr marL="685800" indent="-228600" algn="l" defTabSz="914400" rtl="0" eaLnBrk="1" latinLnBrk="0" hangingPunct="1">
+              <a:lnSpc>
+                <a:spcPct val="90000"/>
+              </a:lnSpc>
+              <a:spcBef>
+                <a:spcPts val="500"/>
+              </a:spcBef>
+              <a:buFont typeface="Arial" panose="020B0604020202020204" pitchFamily="34" charset="0"/>
+              <a:buChar char="•"/>
+              <a:defRPr sz="2400" kern="1200">
+                <a:solidFill>
+                  <a:schemeClr val="tx1"/>
+                </a:solidFill>
+                <a:latin typeface="+mn-lt"/>
+                <a:ea typeface="+mn-ea"/>
+                <a:cs typeface="+mn-cs"/>
+              </a:defRPr>
+            </a:lvl2pPr>
+            <a:lvl3pPr marL="1143000" indent="-228600" algn="l" defTabSz="914400" rtl="0" eaLnBrk="1" latinLnBrk="0" hangingPunct="1">
+              <a:lnSpc>
+                <a:spcPct val="90000"/>
+              </a:lnSpc>
+              <a:spcBef>
+                <a:spcPts val="500"/>
+              </a:spcBef>
+              <a:buFont typeface="Arial" panose="020B0604020202020204" pitchFamily="34" charset="0"/>
+              <a:buChar char="•"/>
+              <a:defRPr sz="2000" kern="1200">
+                <a:solidFill>
+                  <a:schemeClr val="tx1"/>
+                </a:solidFill>
+                <a:latin typeface="+mn-lt"/>
+                <a:ea typeface="+mn-ea"/>
+                <a:cs typeface="+mn-cs"/>
+              </a:defRPr>
+            </a:lvl3pPr>
+            <a:lvl4pPr marL="1600200" indent="-228600" algn="l" defTabSz="914400" rtl="0" eaLnBrk="1" latinLnBrk="0" hangingPunct="1">
+              <a:lnSpc>
+                <a:spcPct val="90000"/>
+              </a:lnSpc>
+              <a:spcBef>
+                <a:spcPts val="500"/>
+              </a:spcBef>
+              <a:buFont typeface="Arial" panose="020B0604020202020204" pitchFamily="34" charset="0"/>
+              <a:buChar char="•"/>
+              <a:defRPr sz="1800" kern="1200">
+                <a:solidFill>
+                  <a:schemeClr val="tx1"/>
+                </a:solidFill>
+                <a:latin typeface="+mn-lt"/>
+                <a:ea typeface="+mn-ea"/>
+                <a:cs typeface="+mn-cs"/>
+              </a:defRPr>
+            </a:lvl4pPr>
+            <a:lvl5pPr marL="2057400" indent="-228600" algn="l" defTabSz="914400" rtl="0" eaLnBrk="1" latinLnBrk="0" hangingPunct="1">
+              <a:lnSpc>
+                <a:spcPct val="90000"/>
+              </a:lnSpc>
+              <a:spcBef>
+                <a:spcPts val="500"/>
+              </a:spcBef>
+              <a:buFont typeface="Arial" panose="020B0604020202020204" pitchFamily="34" charset="0"/>
+              <a:buChar char="•"/>
+              <a:defRPr sz="1800" kern="1200">
+                <a:solidFill>
+                  <a:schemeClr val="tx1"/>
+                </a:solidFill>
+                <a:latin typeface="+mn-lt"/>
+                <a:ea typeface="+mn-ea"/>
+                <a:cs typeface="+mn-cs"/>
+              </a:defRPr>
+            </a:lvl5pPr>
+            <a:lvl6pPr marL="2514600" indent="-228600" algn="l" defTabSz="914400" rtl="0" eaLnBrk="1" latinLnBrk="0" hangingPunct="1">
+              <a:lnSpc>
+                <a:spcPct val="90000"/>
+              </a:lnSpc>
+              <a:spcBef>
+                <a:spcPts val="500"/>
+              </a:spcBef>
+              <a:buFont typeface="Arial" panose="020B0604020202020204" pitchFamily="34" charset="0"/>
+              <a:buChar char="•"/>
+              <a:defRPr sz="1800" kern="1200">
+                <a:solidFill>
+                  <a:schemeClr val="tx1"/>
+                </a:solidFill>
+                <a:latin typeface="+mn-lt"/>
+                <a:ea typeface="+mn-ea"/>
+                <a:cs typeface="+mn-cs"/>
+              </a:defRPr>
+            </a:lvl6pPr>
+            <a:lvl7pPr marL="2971800" indent="-228600" algn="l" defTabSz="914400" rtl="0" eaLnBrk="1" latinLnBrk="0" hangingPunct="1">
+              <a:lnSpc>
+                <a:spcPct val="90000"/>
+              </a:lnSpc>
+              <a:spcBef>
+                <a:spcPts val="500"/>
+              </a:spcBef>
+              <a:buFont typeface="Arial" panose="020B0604020202020204" pitchFamily="34" charset="0"/>
+              <a:buChar char="•"/>
+              <a:defRPr sz="1800" kern="1200">
+                <a:solidFill>
+                  <a:schemeClr val="tx1"/>
+                </a:solidFill>
+                <a:latin typeface="+mn-lt"/>
+                <a:ea typeface="+mn-ea"/>
+                <a:cs typeface="+mn-cs"/>
+              </a:defRPr>
+            </a:lvl7pPr>
+            <a:lvl8pPr marL="3429000" indent="-228600" algn="l" defTabSz="914400" rtl="0" eaLnBrk="1" latinLnBrk="0" hangingPunct="1">
+              <a:lnSpc>
+                <a:spcPct val="90000"/>
+              </a:lnSpc>
+              <a:spcBef>
+                <a:spcPts val="500"/>
+              </a:spcBef>
+              <a:buFont typeface="Arial" panose="020B0604020202020204" pitchFamily="34" charset="0"/>
+              <a:buChar char="•"/>
+              <a:defRPr sz="1800" kern="1200">
+                <a:solidFill>
+                  <a:schemeClr val="tx1"/>
+                </a:solidFill>
+                <a:latin typeface="+mn-lt"/>
+                <a:ea typeface="+mn-ea"/>
+                <a:cs typeface="+mn-cs"/>
+              </a:defRPr>
+            </a:lvl8pPr>
+            <a:lvl9pPr marL="3886200" indent="-228600" algn="l" defTabSz="914400" rtl="0" eaLnBrk="1" latinLnBrk="0" hangingPunct="1">
+              <a:lnSpc>
+                <a:spcPct val="90000"/>
+              </a:lnSpc>
+              <a:spcBef>
+                <a:spcPts val="500"/>
+              </a:spcBef>
+              <a:buFont typeface="Arial" panose="020B0604020202020204" pitchFamily="34" charset="0"/>
+              <a:buChar char="•"/>
+              <a:defRPr sz="1800" kern="1200">
+                <a:solidFill>
+                  <a:schemeClr val="tx1"/>
+                </a:solidFill>
+                <a:latin typeface="+mn-lt"/>
+                <a:ea typeface="+mn-ea"/>
+                <a:cs typeface="+mn-cs"/>
+              </a:defRPr>
+            </a:lvl9pPr>
+          </a:lstStyle>
+          <a:p>
+            <a:pPr marL="0" indent="0">
+              <a:buNone/>
+            </a:pPr>
+            <a:r>
+              <a:rPr lang="en-US" sz="3600" b="1" dirty="0">
+                <a:latin typeface="Lato"/>
+              </a:rPr>
+              <a:t>Tableized Test</a:t>
+            </a:r>
+            <a:endParaRPr lang="en-US" sz="2400" b="1" dirty="0"/>
+          </a:p>
+        </p:txBody>
+      </p:sp>
+      <p:pic>
+        <p:nvPicPr>
+          <p:cNvPr id="4" name="Picture 3">
+            <a:extLst>
+              <a:ext uri="{FF2B5EF4-FFF2-40B4-BE49-F238E27FC236}">
+                <a16:creationId xmlns:a16="http://schemas.microsoft.com/office/drawing/2014/main" id="{53C6886A-7ECE-4204-8BAF-25EC4EA80D24}"/>
+              </a:ext>
+            </a:extLst>
+          </p:cNvPr>
+          <p:cNvPicPr>
+            <a:picLocks noChangeAspect="1"/>
+          </p:cNvPicPr>
+          <p:nvPr/>
+        </p:nvPicPr>
+        <p:blipFill>
+          <a:blip r:embed="rId2"/>
+          <a:stretch>
+            <a:fillRect/>
+          </a:stretch>
+        </p:blipFill>
+        <p:spPr>
+          <a:xfrm>
+            <a:off x="1728178" y="1521303"/>
+            <a:ext cx="8735644" cy="4725059"/>
+          </a:xfrm>
+          <a:prstGeom prst="rect">
+            <a:avLst/>
+          </a:prstGeom>
+        </p:spPr>
+      </p:pic>
+    </p:spTree>
+    <p:extLst>
+      <p:ext uri="{BB962C8B-B14F-4D97-AF65-F5344CB8AC3E}">
+        <p14:creationId xmlns:p14="http://schemas.microsoft.com/office/powerpoint/2010/main" val="1708673081"/>
+      </p:ext>
+    </p:extLst>
+  </p:cSld>
+  <p:clrMapOvr>
+    <a:masterClrMapping/>
+  </p:clrMapOvr>
+</p:sld>
+</file>
+
+<file path=ppt/slides/slide11.xml><?xml version="1.0" encoding="utf-8"?>
+<p:sld xmlns:a="http://schemas.openxmlformats.org/drawingml/2006/main" xmlns:r="http://schemas.openxmlformats.org/officeDocument/2006/relationships" xmlns:p="http://schemas.openxmlformats.org/presentationml/2006/main">
+  <p:cSld>
+    <p:bg>
+      <p:bgPr>
+        <a:solidFill>
+          <a:schemeClr val="tx1"/>
+        </a:solidFill>
+        <a:effectLst/>
+      </p:bgPr>
+    </p:bg>
+    <p:spTree>
+      <p:nvGrpSpPr>
+        <p:cNvPr id="1" name=""/>
+        <p:cNvGrpSpPr/>
+        <p:nvPr/>
+      </p:nvGrpSpPr>
+      <p:grpSpPr>
+        <a:xfrm>
+          <a:off x="0" y="0"/>
+          <a:ext cx="0" cy="0"/>
+          <a:chOff x="0" y="0"/>
+          <a:chExt cx="0" cy="0"/>
+        </a:xfrm>
+      </p:grpSpPr>
+      <p:sp>
+        <p:nvSpPr>
+          <p:cNvPr id="38" name="Rectangle 8">
+            <a:extLst>
+              <a:ext uri="{FF2B5EF4-FFF2-40B4-BE49-F238E27FC236}">
+                <a16:creationId xmlns:a16="http://schemas.microsoft.com/office/drawing/2014/main" id="{B77F478D-A773-43B4-80DF-A229B5A0FBDF}"/>
+              </a:ext>
+              <a:ext uri="{C183D7F6-B498-43B3-948B-1728B52AA6E4}">
+                <adec:decorative xmlns:adec="http://schemas.microsoft.com/office/drawing/2017/decorative" val="1"/>
+              </a:ext>
+            </a:extLst>
+          </p:cNvPr>
+          <p:cNvSpPr>
+            <a:spLocks noGrp="1" noRot="1" noChangeAspect="1" noMove="1" noResize="1" noEditPoints="1" noAdjustHandles="1" noChangeArrowheads="1" noChangeShapeType="1" noTextEdit="1"/>
+          </p:cNvSpPr>
+          <p:nvPr>
+            <p:extLst>
+              <p:ext uri="{386F3935-93C4-4BCD-93E2-E3B085C9AB24}">
+                <p16:designElem xmlns:p16="http://schemas.microsoft.com/office/powerpoint/2015/main" val="1"/>
+              </p:ext>
+            </p:extLst>
+          </p:nvPr>
+        </p:nvSpPr>
+        <p:spPr>
+          <a:xfrm>
+            <a:off x="1" y="0"/>
+            <a:ext cx="12192000" cy="6858000"/>
+          </a:xfrm>
+          <a:prstGeom prst="rect">
+            <a:avLst/>
+          </a:prstGeom>
+          <a:blipFill dpi="0" rotWithShape="1">
+            <a:blip r:embed="rId2">
+              <a:alphaModFix amt="45000"/>
+              <a:duotone>
+                <a:schemeClr val="accent2">
+                  <a:shade val="45000"/>
+                  <a:satMod val="135000"/>
+                </a:schemeClr>
+                <a:prstClr val="white"/>
+              </a:duotone>
+            </a:blip>
+            <a:srcRect/>
+            <a:tile tx="-31750" ty="-120650" sx="100000" sy="100000" flip="xy" algn="tl"/>
+          </a:blipFill>
+          <a:ln w="19050" cmpd="sng">
+            <a:noFill/>
+            <a:miter lim="800000"/>
+          </a:ln>
+        </p:spPr>
+        <p:style>
+          <a:lnRef idx="2">
+            <a:schemeClr val="accent1">
+              <a:shade val="50000"/>
+            </a:schemeClr>
+          </a:lnRef>
+          <a:fillRef idx="1">
+            <a:schemeClr val="accent1"/>
+          </a:fillRef>
+          <a:effectRef idx="0">
+            <a:schemeClr val="accent1"/>
+          </a:effectRef>
+          <a:fontRef idx="minor">
+            <a:schemeClr val="lt1"/>
+          </a:fontRef>
+        </p:style>
+      </p:sp>
+      <p:sp>
+        <p:nvSpPr>
+          <p:cNvPr id="39" name="Rectangle 10">
+            <a:extLst>
+              <a:ext uri="{FF2B5EF4-FFF2-40B4-BE49-F238E27FC236}">
+                <a16:creationId xmlns:a16="http://schemas.microsoft.com/office/drawing/2014/main" id="{F34668B3-D82D-4011-810E-1D47D3FC0C6C}"/>
+              </a:ext>
+              <a:ext uri="{C183D7F6-B498-43B3-948B-1728B52AA6E4}">
+                <adec:decorative xmlns:adec="http://schemas.microsoft.com/office/drawing/2017/decorative" val="1"/>
+              </a:ext>
+            </a:extLst>
+          </p:cNvPr>
+          <p:cNvSpPr>
+            <a:spLocks noGrp="1" noRot="1" noChangeAspect="1" noMove="1" noResize="1" noEditPoints="1" noAdjustHandles="1" noChangeArrowheads="1" noChangeShapeType="1" noTextEdit="1"/>
+          </p:cNvSpPr>
+          <p:nvPr>
+            <p:extLst>
+              <p:ext uri="{386F3935-93C4-4BCD-93E2-E3B085C9AB24}">
+                <p16:designElem xmlns:p16="http://schemas.microsoft.com/office/powerpoint/2015/main" val="1"/>
+              </p:ext>
+            </p:extLst>
+          </p:nvPr>
+        </p:nvSpPr>
+        <p:spPr>
+          <a:xfrm>
+            <a:off x="1307870" y="1267730"/>
+            <a:ext cx="9576262" cy="4307950"/>
+          </a:xfrm>
+          <a:prstGeom prst="rect">
+            <a:avLst/>
+          </a:prstGeom>
+          <a:solidFill>
+            <a:schemeClr val="tx1"/>
+          </a:solidFill>
+          <a:ln w="6350" cap="flat" cmpd="sng" algn="ctr">
+            <a:solidFill>
+              <a:schemeClr val="tx1">
+                <a:lumMod val="65000"/>
+                <a:lumOff val="35000"/>
+              </a:schemeClr>
+            </a:solidFill>
+            <a:prstDash val="solid"/>
+          </a:ln>
+          <a:effectLst>
+            <a:outerShdw blurRad="63500" algn="ctr" rotWithShape="0">
+              <a:prstClr val="black">
+                <a:alpha val="40000"/>
+              </a:prstClr>
+            </a:outerShdw>
+            <a:softEdge rad="0"/>
+          </a:effectLst>
+        </p:spPr>
+      </p:sp>
+      <p:sp>
+        <p:nvSpPr>
+          <p:cNvPr id="40" name="Rectangle 12">
+            <a:extLst>
+              <a:ext uri="{FF2B5EF4-FFF2-40B4-BE49-F238E27FC236}">
+                <a16:creationId xmlns:a16="http://schemas.microsoft.com/office/drawing/2014/main" id="{CF756813-AFA6-4588-BE17-2C5032F07AB8}"/>
+              </a:ext>
+              <a:ext uri="{C183D7F6-B498-43B3-948B-1728B52AA6E4}">
+                <adec:decorative xmlns:adec="http://schemas.microsoft.com/office/drawing/2017/decorative" val="1"/>
+              </a:ext>
+            </a:extLst>
+          </p:cNvPr>
+          <p:cNvSpPr>
+            <a:spLocks noGrp="1" noRot="1" noChangeAspect="1" noMove="1" noResize="1" noEditPoints="1" noAdjustHandles="1" noChangeArrowheads="1" noChangeShapeType="1" noTextEdit="1"/>
+          </p:cNvSpPr>
+          <p:nvPr>
+            <p:extLst>
+              <p:ext uri="{386F3935-93C4-4BCD-93E2-E3B085C9AB24}">
+                <p16:designElem xmlns:p16="http://schemas.microsoft.com/office/powerpoint/2015/main" val="1"/>
+              </p:ext>
+            </p:extLst>
+          </p:nvPr>
+        </p:nvSpPr>
+        <p:spPr>
+          <a:xfrm>
+            <a:off x="1447801" y="1411615"/>
+            <a:ext cx="9296400" cy="4034770"/>
+          </a:xfrm>
+          <a:prstGeom prst="rect">
+            <a:avLst/>
+          </a:prstGeom>
+          <a:solidFill>
+            <a:schemeClr val="bg2"/>
+          </a:solidFill>
+          <a:ln w="9525" cap="sq" cmpd="sng" algn="ctr">
+            <a:noFill/>
+            <a:prstDash val="solid"/>
+            <a:miter lim="800000"/>
+          </a:ln>
+          <a:effectLst/>
+        </p:spPr>
+      </p:sp>
+      <p:sp>
+        <p:nvSpPr>
+          <p:cNvPr id="41" name="Rectangle 14">
+            <a:extLst>
+              <a:ext uri="{FF2B5EF4-FFF2-40B4-BE49-F238E27FC236}">
+                <a16:creationId xmlns:a16="http://schemas.microsoft.com/office/drawing/2014/main" id="{BE1F3C65-2218-406A-8F6B-425015920681}"/>
+              </a:ext>
+              <a:ext uri="{C183D7F6-B498-43B3-948B-1728B52AA6E4}">
+                <adec:decorative xmlns:adec="http://schemas.microsoft.com/office/drawing/2017/decorative" val="1"/>
+              </a:ext>
+            </a:extLst>
+          </p:cNvPr>
+          <p:cNvSpPr>
+            <a:spLocks noGrp="1" noRot="1" noChangeAspect="1" noMove="1" noResize="1" noEditPoints="1" noAdjustHandles="1" noChangeArrowheads="1" noChangeShapeType="1" noTextEdit="1"/>
+          </p:cNvSpPr>
+          <p:nvPr>
+            <p:extLst>
+              <p:ext uri="{386F3935-93C4-4BCD-93E2-E3B085C9AB24}">
+                <p16:designElem xmlns:p16="http://schemas.microsoft.com/office/powerpoint/2015/main" val="1"/>
+              </p:ext>
+            </p:extLst>
+          </p:nvPr>
+        </p:nvSpPr>
+        <p:spPr>
+          <a:xfrm>
+            <a:off x="5135880" y="1267730"/>
+            <a:ext cx="1920240" cy="731520"/>
+          </a:xfrm>
+          <a:prstGeom prst="rect">
+            <a:avLst/>
+          </a:prstGeom>
+          <a:solidFill>
+            <a:schemeClr val="accent1"/>
+          </a:solidFill>
+          <a:ln>
+            <a:noFill/>
+          </a:ln>
+          <a:effectLst>
+            <a:outerShdw blurRad="50800" dist="12700" dir="5400000" algn="t" rotWithShape="0">
+              <a:prstClr val="black">
+                <a:alpha val="40000"/>
+              </a:prstClr>
+            </a:outerShdw>
+          </a:effectLst>
+        </p:spPr>
+        <p:style>
+          <a:lnRef idx="2">
+            <a:schemeClr val="accent1">
+              <a:shade val="50000"/>
+            </a:schemeClr>
+          </a:lnRef>
+          <a:fillRef idx="1">
+            <a:schemeClr val="accent1"/>
+          </a:fillRef>
+          <a:effectRef idx="0">
+            <a:schemeClr val="accent1"/>
+          </a:effectRef>
+          <a:fontRef idx="minor">
+            <a:schemeClr val="lt1"/>
+          </a:fontRef>
+        </p:style>
+      </p:sp>
+      <p:grpSp>
+        <p:nvGrpSpPr>
+          <p:cNvPr id="42" name="Group 16">
+            <a:extLst>
+              <a:ext uri="{FF2B5EF4-FFF2-40B4-BE49-F238E27FC236}">
+                <a16:creationId xmlns:a16="http://schemas.microsoft.com/office/drawing/2014/main" id="{FEADC416-2CB9-42D8-B647-6B83826E2BE8}"/>
+              </a:ext>
+              <a:ext uri="{C183D7F6-B498-43B3-948B-1728B52AA6E4}">
+                <adec:decorative xmlns:adec="http://schemas.microsoft.com/office/drawing/2017/decorative" val="1"/>
+              </a:ext>
+            </a:extLst>
+          </p:cNvPr>
+          <p:cNvGrpSpPr>
+            <a:grpSpLocks noGrp="1" noUngrp="1" noRot="1" noChangeAspect="1" noMove="1" noResize="1"/>
+          </p:cNvGrpSpPr>
+          <p:nvPr>
+            <p:extLst>
+              <p:ext uri="{386F3935-93C4-4BCD-93E2-E3B085C9AB24}">
+                <p16:designElem xmlns:p16="http://schemas.microsoft.com/office/powerpoint/2015/main" val="1"/>
+              </p:ext>
+            </p:extLst>
+          </p:nvPr>
+        </p:nvGrpSpPr>
+        <p:grpSpPr>
+          <a:xfrm>
+            <a:off x="4828372" y="1267730"/>
+            <a:ext cx="1567331" cy="645295"/>
+            <a:chOff x="5318306" y="1386268"/>
+            <a:chExt cx="1567331" cy="645295"/>
+          </a:xfrm>
+        </p:grpSpPr>
+        <p:cxnSp>
+          <p:nvCxnSpPr>
+            <p:cNvPr id="18" name="Straight Connector 17">
+              <a:extLst>
+                <a:ext uri="{FF2B5EF4-FFF2-40B4-BE49-F238E27FC236}">
+                  <a16:creationId xmlns:a16="http://schemas.microsoft.com/office/drawing/2014/main" id="{E3244EEC-028E-41B0-918C-004185357331}"/>
+                </a:ext>
+                <a:ext uri="{C183D7F6-B498-43B3-948B-1728B52AA6E4}">
+                  <adec:decorative xmlns:adec="http://schemas.microsoft.com/office/drawing/2017/decorative" val="1"/>
+                </a:ext>
+              </a:extLst>
+            </p:cNvPr>
+            <p:cNvCxnSpPr/>
+            <p:nvPr>
+              <p:extLst>
+                <p:ext uri="{386F3935-93C4-4BCD-93E2-E3B085C9AB24}">
+                  <p16:designElem xmlns:p16="http://schemas.microsoft.com/office/powerpoint/2015/main" val="1"/>
+                </p:ext>
+              </p:extLst>
+            </p:nvPr>
+          </p:nvCxnSpPr>
+          <p:spPr>
+            <a:xfrm>
+              <a:off x="5318306" y="1386268"/>
+              <a:ext cx="0" cy="640080"/>
+            </a:xfrm>
+            <a:prstGeom prst="line">
+              <a:avLst/>
+            </a:prstGeom>
+            <a:solidFill>
+              <a:schemeClr val="tx1">
+                <a:lumMod val="85000"/>
+                <a:lumOff val="15000"/>
+              </a:schemeClr>
+            </a:solidFill>
+            <a:ln>
+              <a:solidFill>
+                <a:srgbClr val="FFFFFF"/>
+              </a:solidFill>
+              <a:miter lim="800000"/>
+            </a:ln>
+          </p:spPr>
+          <p:style>
+            <a:lnRef idx="1">
+              <a:schemeClr val="accent1"/>
+            </a:lnRef>
+            <a:fillRef idx="0">
+              <a:schemeClr val="accent1"/>
+            </a:fillRef>
+            <a:effectRef idx="0">
+              <a:schemeClr val="accent1"/>
+            </a:effectRef>
+            <a:fontRef idx="minor">
+              <a:schemeClr val="tx1"/>
+            </a:fontRef>
+          </p:style>
+        </p:cxnSp>
+        <p:cxnSp>
+          <p:nvCxnSpPr>
+            <p:cNvPr id="19" name="Straight Connector 18">
+              <a:extLst>
+                <a:ext uri="{FF2B5EF4-FFF2-40B4-BE49-F238E27FC236}">
+                  <a16:creationId xmlns:a16="http://schemas.microsoft.com/office/drawing/2014/main" id="{808BE727-A9F7-4F6A-AB25-6100EC58173D}"/>
+                </a:ext>
+                <a:ext uri="{C183D7F6-B498-43B3-948B-1728B52AA6E4}">
+                  <adec:decorative xmlns:adec="http://schemas.microsoft.com/office/drawing/2017/decorative" val="1"/>
+                </a:ext>
+              </a:extLst>
+            </p:cNvPr>
+            <p:cNvCxnSpPr/>
+            <p:nvPr>
+              <p:extLst>
+                <p:ext uri="{386F3935-93C4-4BCD-93E2-E3B085C9AB24}">
+                  <p16:designElem xmlns:p16="http://schemas.microsoft.com/office/powerpoint/2015/main" val="1"/>
+                </p:ext>
+              </p:extLst>
+            </p:nvPr>
+          </p:nvCxnSpPr>
+          <p:spPr>
+            <a:xfrm>
+              <a:off x="6885637" y="1386268"/>
+              <a:ext cx="0" cy="640080"/>
+            </a:xfrm>
+            <a:prstGeom prst="line">
+              <a:avLst/>
+            </a:prstGeom>
+            <a:solidFill>
+              <a:schemeClr val="tx1">
+                <a:lumMod val="85000"/>
+                <a:lumOff val="15000"/>
+              </a:schemeClr>
+            </a:solidFill>
+            <a:ln>
+              <a:solidFill>
+                <a:srgbClr val="FFFFFF"/>
+              </a:solidFill>
+              <a:miter lim="800000"/>
+            </a:ln>
+          </p:spPr>
+          <p:style>
+            <a:lnRef idx="1">
+              <a:schemeClr val="accent1"/>
+            </a:lnRef>
+            <a:fillRef idx="0">
+              <a:schemeClr val="accent1"/>
+            </a:fillRef>
+            <a:effectRef idx="0">
+              <a:schemeClr val="accent1"/>
+            </a:effectRef>
+            <a:fontRef idx="minor">
+              <a:schemeClr val="tx1"/>
+            </a:fontRef>
+          </p:style>
+        </p:cxnSp>
+        <p:cxnSp>
+          <p:nvCxnSpPr>
+            <p:cNvPr id="20" name="Straight Connector 19">
+              <a:extLst>
+                <a:ext uri="{FF2B5EF4-FFF2-40B4-BE49-F238E27FC236}">
+                  <a16:creationId xmlns:a16="http://schemas.microsoft.com/office/drawing/2014/main" id="{05DB03F5-6EDF-4104-A2F1-4C7F5AA1FF9D}"/>
+                </a:ext>
+                <a:ext uri="{C183D7F6-B498-43B3-948B-1728B52AA6E4}">
+                  <adec:decorative xmlns:adec="http://schemas.microsoft.com/office/drawing/2017/decorative" val="1"/>
+                </a:ext>
+              </a:extLst>
+            </p:cNvPr>
+            <p:cNvCxnSpPr/>
+            <p:nvPr>
+              <p:extLst>
+                <p:ext uri="{386F3935-93C4-4BCD-93E2-E3B085C9AB24}">
+                  <p16:designElem xmlns:p16="http://schemas.microsoft.com/office/powerpoint/2015/main" val="1"/>
+                </p:ext>
+              </p:extLst>
+            </p:nvPr>
+          </p:nvCxnSpPr>
+          <p:spPr>
+            <a:xfrm>
+              <a:off x="5318306" y="2031563"/>
+              <a:ext cx="1567331" cy="0"/>
+            </a:xfrm>
+            <a:prstGeom prst="line">
+              <a:avLst/>
+            </a:prstGeom>
+            <a:solidFill>
+              <a:schemeClr val="tx1">
+                <a:lumMod val="85000"/>
+                <a:lumOff val="15000"/>
+              </a:schemeClr>
+            </a:solidFill>
+            <a:ln>
+              <a:solidFill>
+                <a:srgbClr val="FFFFFF"/>
+              </a:solidFill>
+              <a:miter lim="800000"/>
+            </a:ln>
+          </p:spPr>
+          <p:style>
+            <a:lnRef idx="1">
+              <a:schemeClr val="accent1"/>
+            </a:lnRef>
+            <a:fillRef idx="0">
+              <a:schemeClr val="accent1"/>
+            </a:fillRef>
+            <a:effectRef idx="0">
+              <a:schemeClr val="accent1"/>
+            </a:effectRef>
+            <a:fontRef idx="minor">
+              <a:schemeClr val="tx1"/>
+            </a:fontRef>
+          </p:style>
+        </p:cxnSp>
+      </p:grpSp>
+      <p:sp>
+        <p:nvSpPr>
+          <p:cNvPr id="43" name="Rectangle 21">
+            <a:extLst>
+              <a:ext uri="{FF2B5EF4-FFF2-40B4-BE49-F238E27FC236}">
+                <a16:creationId xmlns:a16="http://schemas.microsoft.com/office/drawing/2014/main" id="{5D377F6A-7E62-4A93-AA39-C9CD43ABE890}"/>
+              </a:ext>
+              <a:ext uri="{C183D7F6-B498-43B3-948B-1728B52AA6E4}">
+                <adec:decorative xmlns:adec="http://schemas.microsoft.com/office/drawing/2017/decorative" val="1"/>
+              </a:ext>
+            </a:extLst>
+          </p:cNvPr>
+          <p:cNvSpPr>
+            <a:spLocks noGrp="1" noRot="1" noChangeAspect="1" noMove="1" noResize="1" noEditPoints="1" noAdjustHandles="1" noChangeArrowheads="1" noChangeShapeType="1" noTextEdit="1"/>
+          </p:cNvSpPr>
+          <p:nvPr>
+            <p:extLst>
+              <p:ext uri="{386F3935-93C4-4BCD-93E2-E3B085C9AB24}">
+                <p16:designElem xmlns:p16="http://schemas.microsoft.com/office/powerpoint/2015/main" val="1"/>
+              </p:ext>
+            </p:extLst>
+          </p:nvPr>
+        </p:nvSpPr>
+        <p:spPr>
+          <a:xfrm>
+            <a:off x="0" y="0"/>
+            <a:ext cx="12192000" cy="6858000"/>
+          </a:xfrm>
+          <a:prstGeom prst="rect">
+            <a:avLst/>
+          </a:prstGeom>
+          <a:solidFill>
+            <a:schemeClr val="bg2"/>
+          </a:solidFill>
+          <a:ln>
+            <a:noFill/>
+          </a:ln>
+        </p:spPr>
+        <p:style>
+          <a:lnRef idx="2">
+            <a:schemeClr val="accent1">
+              <a:shade val="50000"/>
+            </a:schemeClr>
+          </a:lnRef>
+          <a:fillRef idx="1002">
+            <a:schemeClr val="lt2"/>
+          </a:fillRef>
+          <a:effectRef idx="0">
+            <a:schemeClr val="accent1"/>
+          </a:effectRef>
+          <a:fontRef idx="minor">
+            <a:schemeClr val="lt1"/>
+          </a:fontRef>
+        </p:style>
+        <p:txBody>
+          <a:bodyPr rtlCol="0" anchor="ctr"/>
+          <a:lstStyle/>
+          <a:p>
+            <a:pPr algn="ctr"/>
+            <a:endParaRPr lang="en-US"/>
+          </a:p>
+        </p:txBody>
+      </p:sp>
+      <p:sp>
+        <p:nvSpPr>
+          <p:cNvPr id="2" name="Subtitle 2">
+            <a:extLst>
+              <a:ext uri="{FF2B5EF4-FFF2-40B4-BE49-F238E27FC236}">
+                <a16:creationId xmlns:a16="http://schemas.microsoft.com/office/drawing/2014/main" id="{C7243ABB-FF26-472D-99CC-4734FBAA349B}"/>
+              </a:ext>
+            </a:extLst>
+          </p:cNvPr>
+          <p:cNvSpPr txBox="1">
+            <a:spLocks/>
+          </p:cNvSpPr>
+          <p:nvPr/>
+        </p:nvSpPr>
+        <p:spPr>
+          <a:xfrm>
+            <a:off x="8560024" y="1559768"/>
+            <a:ext cx="3238829" cy="3135379"/>
+          </a:xfrm>
+          <a:prstGeom prst="rect">
+            <a:avLst/>
+          </a:prstGeom>
+        </p:spPr>
+        <p:txBody>
+          <a:bodyPr vert="horz" lIns="91440" tIns="45720" rIns="91440" bIns="45720" rtlCol="0" anchor="ctr">
+            <a:normAutofit/>
+          </a:bodyPr>
+          <a:lstStyle>
+            <a:lvl1pPr marL="228600" indent="-228600" algn="l" defTabSz="914400" rtl="0" eaLnBrk="1" latinLnBrk="0" hangingPunct="1">
+              <a:lnSpc>
+                <a:spcPct val="90000"/>
+              </a:lnSpc>
+              <a:spcBef>
+                <a:spcPts val="1000"/>
+              </a:spcBef>
+              <a:buFont typeface="Arial" panose="020B0604020202020204" pitchFamily="34" charset="0"/>
+              <a:buChar char="•"/>
+              <a:defRPr sz="2800" kern="1200">
+                <a:solidFill>
+                  <a:schemeClr val="tx1"/>
+                </a:solidFill>
+                <a:latin typeface="+mn-lt"/>
+                <a:ea typeface="+mn-ea"/>
+                <a:cs typeface="+mn-cs"/>
+              </a:defRPr>
+            </a:lvl1pPr>
+            <a:lvl2pPr marL="685800" indent="-228600" algn="l" defTabSz="914400" rtl="0" eaLnBrk="1" latinLnBrk="0" hangingPunct="1">
+              <a:lnSpc>
+                <a:spcPct val="90000"/>
+              </a:lnSpc>
+              <a:spcBef>
+                <a:spcPts val="500"/>
+              </a:spcBef>
+              <a:buFont typeface="Arial" panose="020B0604020202020204" pitchFamily="34" charset="0"/>
+              <a:buChar char="•"/>
+              <a:defRPr sz="2400" kern="1200">
+                <a:solidFill>
+                  <a:schemeClr val="tx1"/>
+                </a:solidFill>
+                <a:latin typeface="+mn-lt"/>
+                <a:ea typeface="+mn-ea"/>
+                <a:cs typeface="+mn-cs"/>
+              </a:defRPr>
+            </a:lvl2pPr>
+            <a:lvl3pPr marL="1143000" indent="-228600" algn="l" defTabSz="914400" rtl="0" eaLnBrk="1" latinLnBrk="0" hangingPunct="1">
+              <a:lnSpc>
+                <a:spcPct val="90000"/>
+              </a:lnSpc>
+              <a:spcBef>
+                <a:spcPts val="500"/>
+              </a:spcBef>
+              <a:buFont typeface="Arial" panose="020B0604020202020204" pitchFamily="34" charset="0"/>
+              <a:buChar char="•"/>
+              <a:defRPr sz="2000" kern="1200">
+                <a:solidFill>
+                  <a:schemeClr val="tx1"/>
+                </a:solidFill>
+                <a:latin typeface="+mn-lt"/>
+                <a:ea typeface="+mn-ea"/>
+                <a:cs typeface="+mn-cs"/>
+              </a:defRPr>
+            </a:lvl3pPr>
+            <a:lvl4pPr marL="1600200" indent="-228600" algn="l" defTabSz="914400" rtl="0" eaLnBrk="1" latinLnBrk="0" hangingPunct="1">
+              <a:lnSpc>
+                <a:spcPct val="90000"/>
+              </a:lnSpc>
+              <a:spcBef>
+                <a:spcPts val="500"/>
+              </a:spcBef>
+              <a:buFont typeface="Arial" panose="020B0604020202020204" pitchFamily="34" charset="0"/>
+              <a:buChar char="•"/>
+              <a:defRPr sz="1800" kern="1200">
+                <a:solidFill>
+                  <a:schemeClr val="tx1"/>
+                </a:solidFill>
+                <a:latin typeface="+mn-lt"/>
+                <a:ea typeface="+mn-ea"/>
+                <a:cs typeface="+mn-cs"/>
+              </a:defRPr>
+            </a:lvl4pPr>
+            <a:lvl5pPr marL="2057400" indent="-228600" algn="l" defTabSz="914400" rtl="0" eaLnBrk="1" latinLnBrk="0" hangingPunct="1">
+              <a:lnSpc>
+                <a:spcPct val="90000"/>
+              </a:lnSpc>
+              <a:spcBef>
+                <a:spcPts val="500"/>
+              </a:spcBef>
+              <a:buFont typeface="Arial" panose="020B0604020202020204" pitchFamily="34" charset="0"/>
+              <a:buChar char="•"/>
+              <a:defRPr sz="1800" kern="1200">
+                <a:solidFill>
+                  <a:schemeClr val="tx1"/>
+                </a:solidFill>
+                <a:latin typeface="+mn-lt"/>
+                <a:ea typeface="+mn-ea"/>
+                <a:cs typeface="+mn-cs"/>
+              </a:defRPr>
+            </a:lvl5pPr>
+            <a:lvl6pPr marL="2514600" indent="-228600" algn="l" defTabSz="914400" rtl="0" eaLnBrk="1" latinLnBrk="0" hangingPunct="1">
+              <a:lnSpc>
+                <a:spcPct val="90000"/>
+              </a:lnSpc>
+              <a:spcBef>
+                <a:spcPts val="500"/>
+              </a:spcBef>
+              <a:buFont typeface="Arial" panose="020B0604020202020204" pitchFamily="34" charset="0"/>
+              <a:buChar char="•"/>
+              <a:defRPr sz="1800" kern="1200">
+                <a:solidFill>
+                  <a:schemeClr val="tx1"/>
+                </a:solidFill>
+                <a:latin typeface="+mn-lt"/>
+                <a:ea typeface="+mn-ea"/>
+                <a:cs typeface="+mn-cs"/>
+              </a:defRPr>
+            </a:lvl6pPr>
+            <a:lvl7pPr marL="2971800" indent="-228600" algn="l" defTabSz="914400" rtl="0" eaLnBrk="1" latinLnBrk="0" hangingPunct="1">
+              <a:lnSpc>
+                <a:spcPct val="90000"/>
+              </a:lnSpc>
+              <a:spcBef>
+                <a:spcPts val="500"/>
+              </a:spcBef>
+              <a:buFont typeface="Arial" panose="020B0604020202020204" pitchFamily="34" charset="0"/>
+              <a:buChar char="•"/>
+              <a:defRPr sz="1800" kern="1200">
+                <a:solidFill>
+                  <a:schemeClr val="tx1"/>
+                </a:solidFill>
+                <a:latin typeface="+mn-lt"/>
+                <a:ea typeface="+mn-ea"/>
+                <a:cs typeface="+mn-cs"/>
+              </a:defRPr>
+            </a:lvl7pPr>
+            <a:lvl8pPr marL="3429000" indent="-228600" algn="l" defTabSz="914400" rtl="0" eaLnBrk="1" latinLnBrk="0" hangingPunct="1">
+              <a:lnSpc>
+                <a:spcPct val="90000"/>
+              </a:lnSpc>
+              <a:spcBef>
+                <a:spcPts val="500"/>
+              </a:spcBef>
+              <a:buFont typeface="Arial" panose="020B0604020202020204" pitchFamily="34" charset="0"/>
+              <a:buChar char="•"/>
+              <a:defRPr sz="1800" kern="1200">
+                <a:solidFill>
+                  <a:schemeClr val="tx1"/>
+                </a:solidFill>
+                <a:latin typeface="+mn-lt"/>
+                <a:ea typeface="+mn-ea"/>
+                <a:cs typeface="+mn-cs"/>
+              </a:defRPr>
+            </a:lvl8pPr>
+            <a:lvl9pPr marL="3886200" indent="-228600" algn="l" defTabSz="914400" rtl="0" eaLnBrk="1" latinLnBrk="0" hangingPunct="1">
+              <a:lnSpc>
+                <a:spcPct val="90000"/>
+              </a:lnSpc>
+              <a:spcBef>
+                <a:spcPts val="500"/>
+              </a:spcBef>
+              <a:buFont typeface="Arial" panose="020B0604020202020204" pitchFamily="34" charset="0"/>
+              <a:buChar char="•"/>
+              <a:defRPr sz="1800" kern="1200">
+                <a:solidFill>
+                  <a:schemeClr val="tx1"/>
+                </a:solidFill>
+                <a:latin typeface="+mn-lt"/>
+                <a:ea typeface="+mn-ea"/>
+                <a:cs typeface="+mn-cs"/>
+              </a:defRPr>
+            </a:lvl9pPr>
+          </a:lstStyle>
+          <a:p>
+            <a:pPr marL="0" indent="0" algn="ctr">
+              <a:lnSpc>
+                <a:spcPct val="83000"/>
+              </a:lnSpc>
+              <a:spcBef>
+                <a:spcPct val="0"/>
+              </a:spcBef>
+              <a:spcAft>
+                <a:spcPts val="600"/>
+              </a:spcAft>
+              <a:buNone/>
+            </a:pPr>
+            <a:r>
+              <a:rPr lang="en-US" sz="4400" cap="all" spc="-100" dirty="0">
+                <a:solidFill>
+                  <a:srgbClr val="FFFFFF"/>
+                </a:solidFill>
+                <a:effectLst>
+                  <a:outerShdw blurRad="38100" dist="12700" dir="2700000" algn="tl" rotWithShape="0">
+                    <a:prstClr val="black">
+                      <a:alpha val="40000"/>
+                    </a:prstClr>
+                  </a:outerShdw>
+                </a:effectLst>
+                <a:latin typeface="+mj-lt"/>
+              </a:rPr>
+              <a:t>Project Structure</a:t>
+            </a:r>
+          </a:p>
+        </p:txBody>
+      </p:sp>
+      <p:sp>
+        <p:nvSpPr>
+          <p:cNvPr id="44" name="Rectangle 23">
+            <a:extLst>
+              <a:ext uri="{FF2B5EF4-FFF2-40B4-BE49-F238E27FC236}">
+                <a16:creationId xmlns:a16="http://schemas.microsoft.com/office/drawing/2014/main" id="{7BDCDB79-973A-437B-B115-985DE2F89B1B}"/>
+              </a:ext>
+              <a:ext uri="{C183D7F6-B498-43B3-948B-1728B52AA6E4}">
+                <adec:decorative xmlns:adec="http://schemas.microsoft.com/office/drawing/2017/decorative" val="1"/>
+              </a:ext>
+            </a:extLst>
+          </p:cNvPr>
+          <p:cNvSpPr>
+            <a:spLocks noGrp="1" noRot="1" noChangeAspect="1" noMove="1" noResize="1" noEditPoints="1" noAdjustHandles="1" noChangeArrowheads="1" noChangeShapeType="1" noTextEdit="1"/>
+          </p:cNvSpPr>
+          <p:nvPr>
+            <p:extLst>
+              <p:ext uri="{386F3935-93C4-4BCD-93E2-E3B085C9AB24}">
+                <p16:designElem xmlns:p16="http://schemas.microsoft.com/office/powerpoint/2015/main" val="1"/>
+              </p:ext>
+            </p:extLst>
+          </p:nvPr>
+        </p:nvSpPr>
+        <p:spPr>
+          <a:xfrm>
+            <a:off x="-1867" y="0"/>
+            <a:ext cx="8168743" cy="6858000"/>
+          </a:xfrm>
+          <a:prstGeom prst="rect">
+            <a:avLst/>
+          </a:prstGeom>
+          <a:solidFill>
+            <a:srgbClr val="FFFFFF"/>
+          </a:solidFill>
+          <a:ln>
+            <a:noFill/>
+          </a:ln>
+        </p:spPr>
+        <p:style>
+          <a:lnRef idx="2">
+            <a:schemeClr val="accent1">
+              <a:shade val="50000"/>
+            </a:schemeClr>
+          </a:lnRef>
+          <a:fillRef idx="1">
+            <a:schemeClr val="accent1"/>
+          </a:fillRef>
+          <a:effectRef idx="0">
+            <a:schemeClr val="accent1"/>
+          </a:effectRef>
+          <a:fontRef idx="minor">
+            <a:schemeClr val="lt1"/>
+          </a:fontRef>
+        </p:style>
+        <p:txBody>
+          <a:bodyPr rtlCol="0" anchor="ctr"/>
+          <a:lstStyle/>
+          <a:p>
+            <a:pPr algn="ctr"/>
+            <a:endParaRPr lang="en-US"/>
+          </a:p>
+        </p:txBody>
+      </p:sp>
+      <p:sp>
+        <p:nvSpPr>
+          <p:cNvPr id="45" name="Rectangle 25">
+            <a:extLst>
+              <a:ext uri="{FF2B5EF4-FFF2-40B4-BE49-F238E27FC236}">
+                <a16:creationId xmlns:a16="http://schemas.microsoft.com/office/drawing/2014/main" id="{15C7B93C-50D9-4318-A3FD-A06FF828F82E}"/>
+              </a:ext>
+              <a:ext uri="{C183D7F6-B498-43B3-948B-1728B52AA6E4}">
+                <adec:decorative xmlns:adec="http://schemas.microsoft.com/office/drawing/2017/decorative" val="1"/>
+              </a:ext>
+            </a:extLst>
+          </p:cNvPr>
+          <p:cNvSpPr>
+            <a:spLocks noGrp="1" noRot="1" noChangeAspect="1" noMove="1" noResize="1" noEditPoints="1" noAdjustHandles="1" noChangeArrowheads="1" noChangeShapeType="1" noTextEdit="1"/>
+          </p:cNvSpPr>
+          <p:nvPr>
+            <p:extLst>
+              <p:ext uri="{386F3935-93C4-4BCD-93E2-E3B085C9AB24}">
+                <p16:designElem xmlns:p16="http://schemas.microsoft.com/office/powerpoint/2015/main" val="1"/>
+              </p:ext>
+            </p:extLst>
+          </p:nvPr>
+        </p:nvSpPr>
+        <p:spPr>
+          <a:xfrm>
+            <a:off x="9219318" y="0"/>
+            <a:ext cx="1920240" cy="731520"/>
+          </a:xfrm>
+          <a:prstGeom prst="rect">
+            <a:avLst/>
+          </a:prstGeom>
+          <a:solidFill>
+            <a:schemeClr val="accent1"/>
+          </a:solidFill>
+          <a:ln>
+            <a:noFill/>
+          </a:ln>
+          <a:effectLst>
+            <a:outerShdw blurRad="38100" dist="6350" dir="5400000" algn="t" rotWithShape="0">
+              <a:prstClr val="black">
+                <a:alpha val="40000"/>
+              </a:prstClr>
+            </a:outerShdw>
+          </a:effectLst>
+        </p:spPr>
+        <p:style>
+          <a:lnRef idx="2">
+            <a:schemeClr val="accent1">
+              <a:shade val="50000"/>
+            </a:schemeClr>
+          </a:lnRef>
+          <a:fillRef idx="1">
+            <a:schemeClr val="accent1"/>
+          </a:fillRef>
+          <a:effectRef idx="0">
+            <a:schemeClr val="accent1"/>
+          </a:effectRef>
+          <a:fontRef idx="minor">
+            <a:schemeClr val="lt1"/>
+          </a:fontRef>
+        </p:style>
+      </p:sp>
+      <p:cxnSp>
+        <p:nvCxnSpPr>
+          <p:cNvPr id="46" name="Straight Connector 27">
+            <a:extLst>
+              <a:ext uri="{FF2B5EF4-FFF2-40B4-BE49-F238E27FC236}">
+                <a16:creationId xmlns:a16="http://schemas.microsoft.com/office/drawing/2014/main" id="{62FE939F-1168-4607-A22A-75DFD70B54B5}"/>
+              </a:ext>
+              <a:ext uri="{C183D7F6-B498-43B3-948B-1728B52AA6E4}">
+                <adec:decorative xmlns:adec="http://schemas.microsoft.com/office/drawing/2017/decorative" val="1"/>
+              </a:ext>
+            </a:extLst>
+          </p:cNvPr>
+          <p:cNvCxnSpPr>
+            <a:cxnSpLocks noGrp="1" noRot="1" noChangeAspect="1" noMove="1" noResize="1" noEditPoints="1" noAdjustHandles="1" noChangeArrowheads="1" noChangeShapeType="1"/>
+          </p:cNvCxnSpPr>
+          <p:nvPr>
+            <p:extLst>
+              <p:ext uri="{386F3935-93C4-4BCD-93E2-E3B085C9AB24}">
+                <p16:designElem xmlns:p16="http://schemas.microsoft.com/office/powerpoint/2015/main" val="1"/>
+              </p:ext>
+            </p:extLst>
+          </p:nvPr>
+        </p:nvCxnSpPr>
+        <p:spPr>
+          <a:xfrm>
+            <a:off x="9333618" y="-1172"/>
+            <a:ext cx="0" cy="640080"/>
+          </a:xfrm>
+          <a:prstGeom prst="line">
+            <a:avLst/>
+          </a:prstGeom>
+          <a:solidFill>
+            <a:schemeClr val="tx1">
+              <a:lumMod val="85000"/>
+              <a:lumOff val="15000"/>
+            </a:schemeClr>
+          </a:solidFill>
+          <a:ln>
+            <a:solidFill>
+              <a:schemeClr val="tx1"/>
+            </a:solidFill>
+            <a:miter lim="800000"/>
+          </a:ln>
+        </p:spPr>
+        <p:style>
+          <a:lnRef idx="1">
+            <a:schemeClr val="accent1"/>
+          </a:lnRef>
+          <a:fillRef idx="0">
+            <a:schemeClr val="accent1"/>
+          </a:fillRef>
+          <a:effectRef idx="0">
+            <a:schemeClr val="accent1"/>
+          </a:effectRef>
+          <a:fontRef idx="minor">
+            <a:schemeClr val="tx1"/>
+          </a:fontRef>
+        </p:style>
+      </p:cxnSp>
+      <p:cxnSp>
+        <p:nvCxnSpPr>
+          <p:cNvPr id="47" name="Straight Connector 29">
+            <a:extLst>
+              <a:ext uri="{FF2B5EF4-FFF2-40B4-BE49-F238E27FC236}">
+                <a16:creationId xmlns:a16="http://schemas.microsoft.com/office/drawing/2014/main" id="{189208C5-AB46-4313-AF29-84F6C1AE2276}"/>
+              </a:ext>
+              <a:ext uri="{C183D7F6-B498-43B3-948B-1728B52AA6E4}">
+                <adec:decorative xmlns:adec="http://schemas.microsoft.com/office/drawing/2017/decorative" val="1"/>
+              </a:ext>
+            </a:extLst>
+          </p:cNvPr>
+          <p:cNvCxnSpPr>
+            <a:cxnSpLocks noGrp="1" noRot="1" noChangeAspect="1" noMove="1" noResize="1" noEditPoints="1" noAdjustHandles="1" noChangeArrowheads="1" noChangeShapeType="1"/>
+          </p:cNvCxnSpPr>
+          <p:nvPr>
+            <p:extLst>
+              <p:ext uri="{386F3935-93C4-4BCD-93E2-E3B085C9AB24}">
+                <p16:designElem xmlns:p16="http://schemas.microsoft.com/office/powerpoint/2015/main" val="1"/>
+              </p:ext>
+            </p:extLst>
+          </p:nvPr>
+        </p:nvCxnSpPr>
+        <p:spPr>
+          <a:xfrm>
+            <a:off x="11025258" y="-1172"/>
+            <a:ext cx="0" cy="640080"/>
+          </a:xfrm>
+          <a:prstGeom prst="line">
+            <a:avLst/>
+          </a:prstGeom>
+          <a:solidFill>
+            <a:schemeClr val="tx1">
+              <a:lumMod val="85000"/>
+              <a:lumOff val="15000"/>
+            </a:schemeClr>
+          </a:solidFill>
+          <a:ln>
+            <a:solidFill>
+              <a:schemeClr val="tx1"/>
+            </a:solidFill>
+            <a:miter lim="800000"/>
+          </a:ln>
+        </p:spPr>
+        <p:style>
+          <a:lnRef idx="1">
+            <a:schemeClr val="accent1"/>
+          </a:lnRef>
+          <a:fillRef idx="0">
+            <a:schemeClr val="accent1"/>
+          </a:fillRef>
+          <a:effectRef idx="0">
+            <a:schemeClr val="accent1"/>
+          </a:effectRef>
+          <a:fontRef idx="minor">
+            <a:schemeClr val="tx1"/>
+          </a:fontRef>
+        </p:style>
+      </p:cxnSp>
+      <p:pic>
+        <p:nvPicPr>
+          <p:cNvPr id="4" name="Picture 3">
+            <a:extLst>
+              <a:ext uri="{FF2B5EF4-FFF2-40B4-BE49-F238E27FC236}">
+                <a16:creationId xmlns:a16="http://schemas.microsoft.com/office/drawing/2014/main" id="{16066D09-BADE-45E8-AB73-99A7E2C933B8}"/>
+              </a:ext>
+            </a:extLst>
+          </p:cNvPr>
+          <p:cNvPicPr>
+            <a:picLocks noChangeAspect="1"/>
+          </p:cNvPicPr>
+          <p:nvPr/>
+        </p:nvPicPr>
+        <p:blipFill>
+          <a:blip r:embed="rId3"/>
+          <a:stretch>
+            <a:fillRect/>
+          </a:stretch>
+        </p:blipFill>
+        <p:spPr>
+          <a:xfrm>
+            <a:off x="643192" y="1680434"/>
+            <a:ext cx="6909386" cy="3489240"/>
+          </a:xfrm>
+          <a:prstGeom prst="rect">
+            <a:avLst/>
+          </a:prstGeom>
+        </p:spPr>
+      </p:pic>
+      <p:cxnSp>
+        <p:nvCxnSpPr>
+          <p:cNvPr id="48" name="Straight Connector 31">
+            <a:extLst>
+              <a:ext uri="{FF2B5EF4-FFF2-40B4-BE49-F238E27FC236}">
+                <a16:creationId xmlns:a16="http://schemas.microsoft.com/office/drawing/2014/main" id="{16BE47C8-6AB2-4A9D-9E30-253802F65DCE}"/>
+              </a:ext>
+              <a:ext uri="{C183D7F6-B498-43B3-948B-1728B52AA6E4}">
+                <adec:decorative xmlns:adec="http://schemas.microsoft.com/office/drawing/2017/decorative" val="1"/>
+              </a:ext>
+            </a:extLst>
+          </p:cNvPr>
+          <p:cNvCxnSpPr>
+            <a:cxnSpLocks noGrp="1" noRot="1" noChangeAspect="1" noMove="1" noResize="1" noEditPoints="1" noAdjustHandles="1" noChangeArrowheads="1" noChangeShapeType="1"/>
+          </p:cNvCxnSpPr>
+          <p:nvPr>
+            <p:extLst>
+              <p:ext uri="{386F3935-93C4-4BCD-93E2-E3B085C9AB24}">
+                <p16:designElem xmlns:p16="http://schemas.microsoft.com/office/powerpoint/2015/main" val="1"/>
+              </p:ext>
+            </p:extLst>
+          </p:nvPr>
+        </p:nvCxnSpPr>
+        <p:spPr>
+          <a:xfrm>
+            <a:off x="9333618" y="644123"/>
+            <a:ext cx="1691640" cy="0"/>
+          </a:xfrm>
+          <a:prstGeom prst="line">
+            <a:avLst/>
+          </a:prstGeom>
+          <a:solidFill>
+            <a:schemeClr val="tx1">
+              <a:lumMod val="85000"/>
+              <a:lumOff val="15000"/>
+            </a:schemeClr>
+          </a:solidFill>
+          <a:ln>
+            <a:solidFill>
+              <a:schemeClr val="tx1"/>
+            </a:solidFill>
+            <a:miter lim="800000"/>
+          </a:ln>
+        </p:spPr>
+        <p:style>
+          <a:lnRef idx="1">
+            <a:schemeClr val="accent1"/>
+          </a:lnRef>
+          <a:fillRef idx="0">
+            <a:schemeClr val="accent1"/>
+          </a:fillRef>
+          <a:effectRef idx="0">
+            <a:schemeClr val="accent1"/>
+          </a:effectRef>
+          <a:fontRef idx="minor">
+            <a:schemeClr val="tx1"/>
+          </a:fontRef>
+        </p:style>
+      </p:cxnSp>
+    </p:spTree>
+    <p:extLst>
+      <p:ext uri="{BB962C8B-B14F-4D97-AF65-F5344CB8AC3E}">
+        <p14:creationId xmlns:p14="http://schemas.microsoft.com/office/powerpoint/2010/main" val="1842410193"/>
+      </p:ext>
+    </p:extLst>
+  </p:cSld>
+  <p:clrMapOvr>
+    <a:masterClrMapping/>
+  </p:clrMapOvr>
+</p:sld>
+</file>
+
+<file path=ppt/slides/slide12.xml><?xml version="1.0" encoding="utf-8"?>
+<p:sld xmlns:a="http://schemas.openxmlformats.org/drawingml/2006/main" xmlns:r="http://schemas.openxmlformats.org/officeDocument/2006/relationships" xmlns:p="http://schemas.openxmlformats.org/presentationml/2006/main">
+  <p:cSld>
     <p:bg>
       <p:bgPr>
         <a:solidFill>
@@ -6222,7 +7574,7 @@
 </p:sld>
 </file>
 
-<file path=ppt/slides/slide11.xml><?xml version="1.0" encoding="utf-8"?>
+<file path=ppt/slides/slide13.xml><?xml version="1.0" encoding="utf-8"?>
 <p:sld xmlns:a="http://schemas.openxmlformats.org/drawingml/2006/main" xmlns:r="http://schemas.openxmlformats.org/officeDocument/2006/relationships" xmlns:p="http://schemas.openxmlformats.org/presentationml/2006/main">
   <p:cSld>
     <p:bg>
@@ -7139,7 +8491,7 @@
               <a:rPr lang="en-US" sz="3600" b="1" dirty="0">
                 <a:latin typeface="Lato"/>
               </a:rPr>
-              <a:t>Behave</a:t>
+              <a:t>TDD vs BDD</a:t>
             </a:r>
             <a:endParaRPr lang="en-US" sz="2400" b="1" dirty="0">
               <a:solidFill>
@@ -7418,8 +8770,13 @@
               <a:rPr lang="en-US" sz="3600" b="1" dirty="0">
                 <a:latin typeface="Lato"/>
               </a:rPr>
-              <a:t>Behavior</a:t>
+              <a:t>Behave</a:t>
             </a:r>
+            <a:endParaRPr lang="en-US" sz="2400" b="1" dirty="0">
+              <a:solidFill>
+                <a:schemeClr val="bg1"/>
+              </a:solidFill>
+            </a:endParaRPr>
           </a:p>
         </p:txBody>
       </p:sp>
@@ -7428,7 +8785,7 @@
           <p:cNvPr id="5" name="TextBox 4">
             <a:extLst>
               <a:ext uri="{FF2B5EF4-FFF2-40B4-BE49-F238E27FC236}">
-                <a16:creationId xmlns:a16="http://schemas.microsoft.com/office/drawing/2014/main" id="{4287866A-C65C-45ED-BE3A-618745E7CC33}"/>
+                <a16:creationId xmlns:a16="http://schemas.microsoft.com/office/drawing/2014/main" id="{9BC11B52-7315-434A-962F-8397D73FDB67}"/>
               </a:ext>
             </a:extLst>
           </p:cNvPr>
@@ -7437,8 +8794,8 @@
         </p:nvSpPr>
         <p:spPr>
           <a:xfrm>
-            <a:off x="2418138" y="2890391"/>
-            <a:ext cx="7355723" cy="1077218"/>
+            <a:off x="3047326" y="2825571"/>
+            <a:ext cx="6097348" cy="1077218"/>
           </a:xfrm>
           <a:prstGeom prst="rect">
             <a:avLst/>
@@ -7455,9 +8812,9 @@
             <a:r>
               <a:rPr lang="en-US" sz="3200" b="1" i="0" dirty="0">
                 <a:effectLst/>
-                <a:latin typeface="Lucida Grande"/>
+                <a:latin typeface="proxima-nova"/>
               </a:rPr>
-              <a:t>operation with inputs, actions, and expected outcomes</a:t>
+              <a:t>we should test how an application behaves in certain situations</a:t>
             </a:r>
             <a:endParaRPr lang="en-US" sz="3200" b="1" dirty="0"/>
           </a:p>
@@ -7466,7 +8823,7 @@
     </p:spTree>
     <p:extLst>
       <p:ext uri="{BB962C8B-B14F-4D97-AF65-F5344CB8AC3E}">
-        <p14:creationId xmlns:p14="http://schemas.microsoft.com/office/powerpoint/2010/main" val="1376474850"/>
+        <p14:creationId xmlns:p14="http://schemas.microsoft.com/office/powerpoint/2010/main" val="554696440"/>
       </p:ext>
     </p:extLst>
   </p:cSld>
@@ -7692,17 +9049,17 @@
               <a:rPr lang="en-US" sz="3600" b="1" dirty="0">
                 <a:latin typeface="Lato"/>
               </a:rPr>
-              <a:t>Feature</a:t>
+              <a:t>Behavior</a:t>
             </a:r>
           </a:p>
         </p:txBody>
       </p:sp>
       <p:sp>
         <p:nvSpPr>
-          <p:cNvPr id="4" name="TextBox 3">
+          <p:cNvPr id="5" name="TextBox 4">
             <a:extLst>
               <a:ext uri="{FF2B5EF4-FFF2-40B4-BE49-F238E27FC236}">
-                <a16:creationId xmlns:a16="http://schemas.microsoft.com/office/drawing/2014/main" id="{9865E966-3990-494E-844C-98996357DD95}"/>
+                <a16:creationId xmlns:a16="http://schemas.microsoft.com/office/drawing/2014/main" id="{4287866A-C65C-45ED-BE3A-618745E7CC33}"/>
               </a:ext>
             </a:extLst>
           </p:cNvPr>
@@ -7711,8 +9068,8 @@
         </p:nvSpPr>
         <p:spPr>
           <a:xfrm>
-            <a:off x="2206190" y="2890391"/>
-            <a:ext cx="7779619" cy="1077218"/>
+            <a:off x="2418138" y="2890391"/>
+            <a:ext cx="7355723" cy="1077218"/>
           </a:xfrm>
           <a:prstGeom prst="rect">
             <a:avLst/>
@@ -7731,7 +9088,7 @@
                 <a:effectLst/>
                 <a:latin typeface="Lucida Grande"/>
               </a:rPr>
-              <a:t>a desired product functionality often involving multiple behaviors</a:t>
+              <a:t>operation with inputs, actions, and expected outcomes</a:t>
             </a:r>
             <a:endParaRPr lang="en-US" sz="3200" b="1" dirty="0"/>
           </a:p>
@@ -7740,7 +9097,7 @@
     </p:spTree>
     <p:extLst>
       <p:ext uri="{BB962C8B-B14F-4D97-AF65-F5344CB8AC3E}">
-        <p14:creationId xmlns:p14="http://schemas.microsoft.com/office/powerpoint/2010/main" val="681672564"/>
+        <p14:creationId xmlns:p14="http://schemas.microsoft.com/office/powerpoint/2010/main" val="1376474850"/>
       </p:ext>
     </p:extLst>
   </p:cSld>
@@ -7963,24 +9320,20 @@
               <a:buNone/>
             </a:pPr>
             <a:r>
-              <a:rPr lang="en-US" sz="3600" b="1" i="0" dirty="0">
-                <a:effectLst/>
+              <a:rPr lang="en-US" sz="3600" b="1" dirty="0">
                 <a:latin typeface="Lato"/>
               </a:rPr>
-              <a:t>Scenario</a:t>
+              <a:t>Feature</a:t>
             </a:r>
-            <a:endParaRPr lang="en-US" sz="4800" b="1" dirty="0">
-              <a:latin typeface="Lato"/>
-            </a:endParaRPr>
           </a:p>
         </p:txBody>
       </p:sp>
       <p:sp>
         <p:nvSpPr>
-          <p:cNvPr id="5" name="TextBox 4">
+          <p:cNvPr id="4" name="TextBox 3">
             <a:extLst>
               <a:ext uri="{FF2B5EF4-FFF2-40B4-BE49-F238E27FC236}">
-                <a16:creationId xmlns:a16="http://schemas.microsoft.com/office/drawing/2014/main" id="{4287866A-C65C-45ED-BE3A-618745E7CC33}"/>
+                <a16:creationId xmlns:a16="http://schemas.microsoft.com/office/drawing/2014/main" id="{9865E966-3990-494E-844C-98996357DD95}"/>
               </a:ext>
             </a:extLst>
           </p:cNvPr>
@@ -7989,8 +9342,8 @@
         </p:nvSpPr>
         <p:spPr>
           <a:xfrm>
-            <a:off x="2418138" y="2890391"/>
-            <a:ext cx="7355723" cy="1077218"/>
+            <a:off x="2206190" y="2890391"/>
+            <a:ext cx="7779619" cy="1077218"/>
           </a:xfrm>
           <a:prstGeom prst="rect">
             <a:avLst/>
@@ -8009,7 +9362,7 @@
                 <a:effectLst/>
                 <a:latin typeface="Lucida Grande"/>
               </a:rPr>
-              <a:t>specification of a behavior using formal steps and examples</a:t>
+              <a:t>a desired product functionality often involving multiple behaviors</a:t>
             </a:r>
             <a:endParaRPr lang="en-US" sz="3200" b="1" dirty="0"/>
           </a:p>
@@ -8018,7 +9371,7 @@
     </p:spTree>
     <p:extLst>
       <p:ext uri="{BB962C8B-B14F-4D97-AF65-F5344CB8AC3E}">
-        <p14:creationId xmlns:p14="http://schemas.microsoft.com/office/powerpoint/2010/main" val="872294745"/>
+        <p14:creationId xmlns:p14="http://schemas.microsoft.com/office/powerpoint/2010/main" val="681672564"/>
       </p:ext>
     </p:extLst>
   </p:cSld>
@@ -8241,11 +9594,15 @@
               <a:buNone/>
             </a:pPr>
             <a:r>
-              <a:rPr lang="en-US" sz="3600" b="1" dirty="0">
+              <a:rPr lang="en-US" sz="3600" b="1" i="0" dirty="0">
+                <a:effectLst/>
                 <a:latin typeface="Lato"/>
               </a:rPr>
-              <a:t>Gherkin</a:t>
+              <a:t>Scenario</a:t>
             </a:r>
+            <a:endParaRPr lang="en-US" sz="4800" b="1" dirty="0">
+              <a:latin typeface="Lato"/>
+            </a:endParaRPr>
           </a:p>
         </p:txBody>
       </p:sp>
@@ -8283,6 +9640,280 @@
                 <a:effectLst/>
                 <a:latin typeface="Lucida Grande"/>
               </a:rPr>
+              <a:t>specification of a behavior using formal steps and examples</a:t>
+            </a:r>
+            <a:endParaRPr lang="en-US" sz="3200" b="1" dirty="0"/>
+          </a:p>
+        </p:txBody>
+      </p:sp>
+    </p:spTree>
+    <p:extLst>
+      <p:ext uri="{BB962C8B-B14F-4D97-AF65-F5344CB8AC3E}">
+        <p14:creationId xmlns:p14="http://schemas.microsoft.com/office/powerpoint/2010/main" val="872294745"/>
+      </p:ext>
+    </p:extLst>
+  </p:cSld>
+  <p:clrMapOvr>
+    <a:masterClrMapping/>
+  </p:clrMapOvr>
+</p:sld>
+</file>
+
+<file path=ppt/slides/slide7.xml><?xml version="1.0" encoding="utf-8"?>
+<p:sld xmlns:a="http://schemas.openxmlformats.org/drawingml/2006/main" xmlns:r="http://schemas.openxmlformats.org/officeDocument/2006/relationships" xmlns:p="http://schemas.openxmlformats.org/presentationml/2006/main">
+  <p:cSld>
+    <p:spTree>
+      <p:nvGrpSpPr>
+        <p:cNvPr id="1" name=""/>
+        <p:cNvGrpSpPr/>
+        <p:nvPr/>
+      </p:nvGrpSpPr>
+      <p:grpSpPr>
+        <a:xfrm>
+          <a:off x="0" y="0"/>
+          <a:ext cx="0" cy="0"/>
+          <a:chOff x="0" y="0"/>
+          <a:chExt cx="0" cy="0"/>
+        </a:xfrm>
+      </p:grpSpPr>
+      <p:sp>
+        <p:nvSpPr>
+          <p:cNvPr id="2" name="Subtitle 2">
+            <a:extLst>
+              <a:ext uri="{FF2B5EF4-FFF2-40B4-BE49-F238E27FC236}">
+                <a16:creationId xmlns:a16="http://schemas.microsoft.com/office/drawing/2014/main" id="{C7243ABB-FF26-472D-99CC-4734FBAA349B}"/>
+              </a:ext>
+            </a:extLst>
+          </p:cNvPr>
+          <p:cNvSpPr txBox="1">
+            <a:spLocks/>
+          </p:cNvSpPr>
+          <p:nvPr/>
+        </p:nvSpPr>
+        <p:spPr>
+          <a:xfrm>
+            <a:off x="917161" y="918824"/>
+            <a:ext cx="3185501" cy="602479"/>
+          </a:xfrm>
+          <a:prstGeom prst="rect">
+            <a:avLst/>
+          </a:prstGeom>
+        </p:spPr>
+        <p:txBody>
+          <a:bodyPr>
+            <a:normAutofit/>
+          </a:bodyPr>
+          <a:lstStyle>
+            <a:lvl1pPr marL="228600" indent="-228600" algn="l" defTabSz="914400" rtl="0" eaLnBrk="1" latinLnBrk="0" hangingPunct="1">
+              <a:lnSpc>
+                <a:spcPct val="90000"/>
+              </a:lnSpc>
+              <a:spcBef>
+                <a:spcPts val="1000"/>
+              </a:spcBef>
+              <a:buFont typeface="Arial" panose="020B0604020202020204" pitchFamily="34" charset="0"/>
+              <a:buChar char="•"/>
+              <a:defRPr sz="2800" kern="1200">
+                <a:solidFill>
+                  <a:schemeClr val="tx1"/>
+                </a:solidFill>
+                <a:latin typeface="+mn-lt"/>
+                <a:ea typeface="+mn-ea"/>
+                <a:cs typeface="+mn-cs"/>
+              </a:defRPr>
+            </a:lvl1pPr>
+            <a:lvl2pPr marL="685800" indent="-228600" algn="l" defTabSz="914400" rtl="0" eaLnBrk="1" latinLnBrk="0" hangingPunct="1">
+              <a:lnSpc>
+                <a:spcPct val="90000"/>
+              </a:lnSpc>
+              <a:spcBef>
+                <a:spcPts val="500"/>
+              </a:spcBef>
+              <a:buFont typeface="Arial" panose="020B0604020202020204" pitchFamily="34" charset="0"/>
+              <a:buChar char="•"/>
+              <a:defRPr sz="2400" kern="1200">
+                <a:solidFill>
+                  <a:schemeClr val="tx1"/>
+                </a:solidFill>
+                <a:latin typeface="+mn-lt"/>
+                <a:ea typeface="+mn-ea"/>
+                <a:cs typeface="+mn-cs"/>
+              </a:defRPr>
+            </a:lvl2pPr>
+            <a:lvl3pPr marL="1143000" indent="-228600" algn="l" defTabSz="914400" rtl="0" eaLnBrk="1" latinLnBrk="0" hangingPunct="1">
+              <a:lnSpc>
+                <a:spcPct val="90000"/>
+              </a:lnSpc>
+              <a:spcBef>
+                <a:spcPts val="500"/>
+              </a:spcBef>
+              <a:buFont typeface="Arial" panose="020B0604020202020204" pitchFamily="34" charset="0"/>
+              <a:buChar char="•"/>
+              <a:defRPr sz="2000" kern="1200">
+                <a:solidFill>
+                  <a:schemeClr val="tx1"/>
+                </a:solidFill>
+                <a:latin typeface="+mn-lt"/>
+                <a:ea typeface="+mn-ea"/>
+                <a:cs typeface="+mn-cs"/>
+              </a:defRPr>
+            </a:lvl3pPr>
+            <a:lvl4pPr marL="1600200" indent="-228600" algn="l" defTabSz="914400" rtl="0" eaLnBrk="1" latinLnBrk="0" hangingPunct="1">
+              <a:lnSpc>
+                <a:spcPct val="90000"/>
+              </a:lnSpc>
+              <a:spcBef>
+                <a:spcPts val="500"/>
+              </a:spcBef>
+              <a:buFont typeface="Arial" panose="020B0604020202020204" pitchFamily="34" charset="0"/>
+              <a:buChar char="•"/>
+              <a:defRPr sz="1800" kern="1200">
+                <a:solidFill>
+                  <a:schemeClr val="tx1"/>
+                </a:solidFill>
+                <a:latin typeface="+mn-lt"/>
+                <a:ea typeface="+mn-ea"/>
+                <a:cs typeface="+mn-cs"/>
+              </a:defRPr>
+            </a:lvl4pPr>
+            <a:lvl5pPr marL="2057400" indent="-228600" algn="l" defTabSz="914400" rtl="0" eaLnBrk="1" latinLnBrk="0" hangingPunct="1">
+              <a:lnSpc>
+                <a:spcPct val="90000"/>
+              </a:lnSpc>
+              <a:spcBef>
+                <a:spcPts val="500"/>
+              </a:spcBef>
+              <a:buFont typeface="Arial" panose="020B0604020202020204" pitchFamily="34" charset="0"/>
+              <a:buChar char="•"/>
+              <a:defRPr sz="1800" kern="1200">
+                <a:solidFill>
+                  <a:schemeClr val="tx1"/>
+                </a:solidFill>
+                <a:latin typeface="+mn-lt"/>
+                <a:ea typeface="+mn-ea"/>
+                <a:cs typeface="+mn-cs"/>
+              </a:defRPr>
+            </a:lvl5pPr>
+            <a:lvl6pPr marL="2514600" indent="-228600" algn="l" defTabSz="914400" rtl="0" eaLnBrk="1" latinLnBrk="0" hangingPunct="1">
+              <a:lnSpc>
+                <a:spcPct val="90000"/>
+              </a:lnSpc>
+              <a:spcBef>
+                <a:spcPts val="500"/>
+              </a:spcBef>
+              <a:buFont typeface="Arial" panose="020B0604020202020204" pitchFamily="34" charset="0"/>
+              <a:buChar char="•"/>
+              <a:defRPr sz="1800" kern="1200">
+                <a:solidFill>
+                  <a:schemeClr val="tx1"/>
+                </a:solidFill>
+                <a:latin typeface="+mn-lt"/>
+                <a:ea typeface="+mn-ea"/>
+                <a:cs typeface="+mn-cs"/>
+              </a:defRPr>
+            </a:lvl6pPr>
+            <a:lvl7pPr marL="2971800" indent="-228600" algn="l" defTabSz="914400" rtl="0" eaLnBrk="1" latinLnBrk="0" hangingPunct="1">
+              <a:lnSpc>
+                <a:spcPct val="90000"/>
+              </a:lnSpc>
+              <a:spcBef>
+                <a:spcPts val="500"/>
+              </a:spcBef>
+              <a:buFont typeface="Arial" panose="020B0604020202020204" pitchFamily="34" charset="0"/>
+              <a:buChar char="•"/>
+              <a:defRPr sz="1800" kern="1200">
+                <a:solidFill>
+                  <a:schemeClr val="tx1"/>
+                </a:solidFill>
+                <a:latin typeface="+mn-lt"/>
+                <a:ea typeface="+mn-ea"/>
+                <a:cs typeface="+mn-cs"/>
+              </a:defRPr>
+            </a:lvl7pPr>
+            <a:lvl8pPr marL="3429000" indent="-228600" algn="l" defTabSz="914400" rtl="0" eaLnBrk="1" latinLnBrk="0" hangingPunct="1">
+              <a:lnSpc>
+                <a:spcPct val="90000"/>
+              </a:lnSpc>
+              <a:spcBef>
+                <a:spcPts val="500"/>
+              </a:spcBef>
+              <a:buFont typeface="Arial" panose="020B0604020202020204" pitchFamily="34" charset="0"/>
+              <a:buChar char="•"/>
+              <a:defRPr sz="1800" kern="1200">
+                <a:solidFill>
+                  <a:schemeClr val="tx1"/>
+                </a:solidFill>
+                <a:latin typeface="+mn-lt"/>
+                <a:ea typeface="+mn-ea"/>
+                <a:cs typeface="+mn-cs"/>
+              </a:defRPr>
+            </a:lvl8pPr>
+            <a:lvl9pPr marL="3886200" indent="-228600" algn="l" defTabSz="914400" rtl="0" eaLnBrk="1" latinLnBrk="0" hangingPunct="1">
+              <a:lnSpc>
+                <a:spcPct val="90000"/>
+              </a:lnSpc>
+              <a:spcBef>
+                <a:spcPts val="500"/>
+              </a:spcBef>
+              <a:buFont typeface="Arial" panose="020B0604020202020204" pitchFamily="34" charset="0"/>
+              <a:buChar char="•"/>
+              <a:defRPr sz="1800" kern="1200">
+                <a:solidFill>
+                  <a:schemeClr val="tx1"/>
+                </a:solidFill>
+                <a:latin typeface="+mn-lt"/>
+                <a:ea typeface="+mn-ea"/>
+                <a:cs typeface="+mn-cs"/>
+              </a:defRPr>
+            </a:lvl9pPr>
+          </a:lstStyle>
+          <a:p>
+            <a:pPr marL="0" indent="0">
+              <a:buNone/>
+            </a:pPr>
+            <a:r>
+              <a:rPr lang="en-US" sz="3600" b="1" dirty="0">
+                <a:latin typeface="Lato"/>
+              </a:rPr>
+              <a:t>Gherkin</a:t>
+            </a:r>
+          </a:p>
+        </p:txBody>
+      </p:sp>
+      <p:sp>
+        <p:nvSpPr>
+          <p:cNvPr id="5" name="TextBox 4">
+            <a:extLst>
+              <a:ext uri="{FF2B5EF4-FFF2-40B4-BE49-F238E27FC236}">
+                <a16:creationId xmlns:a16="http://schemas.microsoft.com/office/drawing/2014/main" id="{4287866A-C65C-45ED-BE3A-618745E7CC33}"/>
+              </a:ext>
+            </a:extLst>
+          </p:cNvPr>
+          <p:cNvSpPr txBox="1"/>
+          <p:nvPr/>
+        </p:nvSpPr>
+        <p:spPr>
+          <a:xfrm>
+            <a:off x="2418138" y="2890391"/>
+            <a:ext cx="7355723" cy="1077218"/>
+          </a:xfrm>
+          <a:prstGeom prst="rect">
+            <a:avLst/>
+          </a:prstGeom>
+          <a:noFill/>
+        </p:spPr>
+        <p:txBody>
+          <a:bodyPr wrap="square">
+            <a:spAutoFit/>
+          </a:bodyPr>
+          <a:lstStyle/>
+          <a:p>
+            <a:pPr algn="ctr"/>
+            <a:r>
+              <a:rPr lang="en-US" sz="3200" b="1" i="0" dirty="0">
+                <a:effectLst/>
+                <a:latin typeface="Lucida Grande"/>
+              </a:rPr>
               <a:t>a simple language used to explain the expected behavior of a system</a:t>
             </a:r>
             <a:endParaRPr lang="en-US" sz="3200" b="1" dirty="0">
@@ -8304,7 +9935,7 @@
 </p:sld>
 </file>
 
-<file path=ppt/slides/slide7.xml><?xml version="1.0" encoding="utf-8"?>
+<file path=ppt/slides/slide8.xml><?xml version="1.0" encoding="utf-8"?>
 <p:sld xmlns:a="http://schemas.openxmlformats.org/drawingml/2006/main" xmlns:r="http://schemas.openxmlformats.org/officeDocument/2006/relationships" xmlns:p="http://schemas.openxmlformats.org/presentationml/2006/main">
   <p:cSld>
     <p:spTree>
@@ -8683,7 +10314,7 @@
 </p:sld>
 </file>
 
-<file path=ppt/slides/slide8.xml><?xml version="1.0" encoding="utf-8"?>
+<file path=ppt/slides/slide9.xml><?xml version="1.0" encoding="utf-8"?>
 <p:sld xmlns:a="http://schemas.openxmlformats.org/drawingml/2006/main" xmlns:r="http://schemas.openxmlformats.org/officeDocument/2006/relationships" xmlns:p="http://schemas.openxmlformats.org/presentationml/2006/main">
   <p:cSld>
     <p:spTree>
@@ -9002,271 +10633,6 @@
     <p:extLst>
       <p:ext uri="{BB962C8B-B14F-4D97-AF65-F5344CB8AC3E}">
         <p14:creationId xmlns:p14="http://schemas.microsoft.com/office/powerpoint/2010/main" val="421621660"/>
-      </p:ext>
-    </p:extLst>
-  </p:cSld>
-  <p:clrMapOvr>
-    <a:masterClrMapping/>
-  </p:clrMapOvr>
-</p:sld>
-</file>
-
-<file path=ppt/slides/slide9.xml><?xml version="1.0" encoding="utf-8"?>
-<p:sld xmlns:a="http://schemas.openxmlformats.org/drawingml/2006/main" xmlns:r="http://schemas.openxmlformats.org/officeDocument/2006/relationships" xmlns:p="http://schemas.openxmlformats.org/presentationml/2006/main">
-  <p:cSld>
-    <p:spTree>
-      <p:nvGrpSpPr>
-        <p:cNvPr id="1" name=""/>
-        <p:cNvGrpSpPr/>
-        <p:nvPr/>
-      </p:nvGrpSpPr>
-      <p:grpSpPr>
-        <a:xfrm>
-          <a:off x="0" y="0"/>
-          <a:ext cx="0" cy="0"/>
-          <a:chOff x="0" y="0"/>
-          <a:chExt cx="0" cy="0"/>
-        </a:xfrm>
-      </p:grpSpPr>
-      <p:sp>
-        <p:nvSpPr>
-          <p:cNvPr id="2" name="Subtitle 2">
-            <a:extLst>
-              <a:ext uri="{FF2B5EF4-FFF2-40B4-BE49-F238E27FC236}">
-                <a16:creationId xmlns:a16="http://schemas.microsoft.com/office/drawing/2014/main" id="{C7243ABB-FF26-472D-99CC-4734FBAA349B}"/>
-              </a:ext>
-            </a:extLst>
-          </p:cNvPr>
-          <p:cNvSpPr txBox="1">
-            <a:spLocks/>
-          </p:cNvSpPr>
-          <p:nvPr/>
-        </p:nvSpPr>
-        <p:spPr>
-          <a:xfrm>
-            <a:off x="917161" y="918824"/>
-            <a:ext cx="3185501" cy="602479"/>
-          </a:xfrm>
-          <a:prstGeom prst="rect">
-            <a:avLst/>
-          </a:prstGeom>
-        </p:spPr>
-        <p:txBody>
-          <a:bodyPr>
-            <a:normAutofit/>
-          </a:bodyPr>
-          <a:lstStyle>
-            <a:lvl1pPr marL="228600" indent="-228600" algn="l" defTabSz="914400" rtl="0" eaLnBrk="1" latinLnBrk="0" hangingPunct="1">
-              <a:lnSpc>
-                <a:spcPct val="90000"/>
-              </a:lnSpc>
-              <a:spcBef>
-                <a:spcPts val="1000"/>
-              </a:spcBef>
-              <a:buFont typeface="Arial" panose="020B0604020202020204" pitchFamily="34" charset="0"/>
-              <a:buChar char="•"/>
-              <a:defRPr sz="2800" kern="1200">
-                <a:solidFill>
-                  <a:schemeClr val="tx1"/>
-                </a:solidFill>
-                <a:latin typeface="+mn-lt"/>
-                <a:ea typeface="+mn-ea"/>
-                <a:cs typeface="+mn-cs"/>
-              </a:defRPr>
-            </a:lvl1pPr>
-            <a:lvl2pPr marL="685800" indent="-228600" algn="l" defTabSz="914400" rtl="0" eaLnBrk="1" latinLnBrk="0" hangingPunct="1">
-              <a:lnSpc>
-                <a:spcPct val="90000"/>
-              </a:lnSpc>
-              <a:spcBef>
-                <a:spcPts val="500"/>
-              </a:spcBef>
-              <a:buFont typeface="Arial" panose="020B0604020202020204" pitchFamily="34" charset="0"/>
-              <a:buChar char="•"/>
-              <a:defRPr sz="2400" kern="1200">
-                <a:solidFill>
-                  <a:schemeClr val="tx1"/>
-                </a:solidFill>
-                <a:latin typeface="+mn-lt"/>
-                <a:ea typeface="+mn-ea"/>
-                <a:cs typeface="+mn-cs"/>
-              </a:defRPr>
-            </a:lvl2pPr>
-            <a:lvl3pPr marL="1143000" indent="-228600" algn="l" defTabSz="914400" rtl="0" eaLnBrk="1" latinLnBrk="0" hangingPunct="1">
-              <a:lnSpc>
-                <a:spcPct val="90000"/>
-              </a:lnSpc>
-              <a:spcBef>
-                <a:spcPts val="500"/>
-              </a:spcBef>
-              <a:buFont typeface="Arial" panose="020B0604020202020204" pitchFamily="34" charset="0"/>
-              <a:buChar char="•"/>
-              <a:defRPr sz="2000" kern="1200">
-                <a:solidFill>
-                  <a:schemeClr val="tx1"/>
-                </a:solidFill>
-                <a:latin typeface="+mn-lt"/>
-                <a:ea typeface="+mn-ea"/>
-                <a:cs typeface="+mn-cs"/>
-              </a:defRPr>
-            </a:lvl3pPr>
-            <a:lvl4pPr marL="1600200" indent="-228600" algn="l" defTabSz="914400" rtl="0" eaLnBrk="1" latinLnBrk="0" hangingPunct="1">
-              <a:lnSpc>
-                <a:spcPct val="90000"/>
-              </a:lnSpc>
-              <a:spcBef>
-                <a:spcPts val="500"/>
-              </a:spcBef>
-              <a:buFont typeface="Arial" panose="020B0604020202020204" pitchFamily="34" charset="0"/>
-              <a:buChar char="•"/>
-              <a:defRPr sz="1800" kern="1200">
-                <a:solidFill>
-                  <a:schemeClr val="tx1"/>
-                </a:solidFill>
-                <a:latin typeface="+mn-lt"/>
-                <a:ea typeface="+mn-ea"/>
-                <a:cs typeface="+mn-cs"/>
-              </a:defRPr>
-            </a:lvl4pPr>
-            <a:lvl5pPr marL="2057400" indent="-228600" algn="l" defTabSz="914400" rtl="0" eaLnBrk="1" latinLnBrk="0" hangingPunct="1">
-              <a:lnSpc>
-                <a:spcPct val="90000"/>
-              </a:lnSpc>
-              <a:spcBef>
-                <a:spcPts val="500"/>
-              </a:spcBef>
-              <a:buFont typeface="Arial" panose="020B0604020202020204" pitchFamily="34" charset="0"/>
-              <a:buChar char="•"/>
-              <a:defRPr sz="1800" kern="1200">
-                <a:solidFill>
-                  <a:schemeClr val="tx1"/>
-                </a:solidFill>
-                <a:latin typeface="+mn-lt"/>
-                <a:ea typeface="+mn-ea"/>
-                <a:cs typeface="+mn-cs"/>
-              </a:defRPr>
-            </a:lvl5pPr>
-            <a:lvl6pPr marL="2514600" indent="-228600" algn="l" defTabSz="914400" rtl="0" eaLnBrk="1" latinLnBrk="0" hangingPunct="1">
-              <a:lnSpc>
-                <a:spcPct val="90000"/>
-              </a:lnSpc>
-              <a:spcBef>
-                <a:spcPts val="500"/>
-              </a:spcBef>
-              <a:buFont typeface="Arial" panose="020B0604020202020204" pitchFamily="34" charset="0"/>
-              <a:buChar char="•"/>
-              <a:defRPr sz="1800" kern="1200">
-                <a:solidFill>
-                  <a:schemeClr val="tx1"/>
-                </a:solidFill>
-                <a:latin typeface="+mn-lt"/>
-                <a:ea typeface="+mn-ea"/>
-                <a:cs typeface="+mn-cs"/>
-              </a:defRPr>
-            </a:lvl6pPr>
-            <a:lvl7pPr marL="2971800" indent="-228600" algn="l" defTabSz="914400" rtl="0" eaLnBrk="1" latinLnBrk="0" hangingPunct="1">
-              <a:lnSpc>
-                <a:spcPct val="90000"/>
-              </a:lnSpc>
-              <a:spcBef>
-                <a:spcPts val="500"/>
-              </a:spcBef>
-              <a:buFont typeface="Arial" panose="020B0604020202020204" pitchFamily="34" charset="0"/>
-              <a:buChar char="•"/>
-              <a:defRPr sz="1800" kern="1200">
-                <a:solidFill>
-                  <a:schemeClr val="tx1"/>
-                </a:solidFill>
-                <a:latin typeface="+mn-lt"/>
-                <a:ea typeface="+mn-ea"/>
-                <a:cs typeface="+mn-cs"/>
-              </a:defRPr>
-            </a:lvl7pPr>
-            <a:lvl8pPr marL="3429000" indent="-228600" algn="l" defTabSz="914400" rtl="0" eaLnBrk="1" latinLnBrk="0" hangingPunct="1">
-              <a:lnSpc>
-                <a:spcPct val="90000"/>
-              </a:lnSpc>
-              <a:spcBef>
-                <a:spcPts val="500"/>
-              </a:spcBef>
-              <a:buFont typeface="Arial" panose="020B0604020202020204" pitchFamily="34" charset="0"/>
-              <a:buChar char="•"/>
-              <a:defRPr sz="1800" kern="1200">
-                <a:solidFill>
-                  <a:schemeClr val="tx1"/>
-                </a:solidFill>
-                <a:latin typeface="+mn-lt"/>
-                <a:ea typeface="+mn-ea"/>
-                <a:cs typeface="+mn-cs"/>
-              </a:defRPr>
-            </a:lvl8pPr>
-            <a:lvl9pPr marL="3886200" indent="-228600" algn="l" defTabSz="914400" rtl="0" eaLnBrk="1" latinLnBrk="0" hangingPunct="1">
-              <a:lnSpc>
-                <a:spcPct val="90000"/>
-              </a:lnSpc>
-              <a:spcBef>
-                <a:spcPts val="500"/>
-              </a:spcBef>
-              <a:buFont typeface="Arial" panose="020B0604020202020204" pitchFamily="34" charset="0"/>
-              <a:buChar char="•"/>
-              <a:defRPr sz="1800" kern="1200">
-                <a:solidFill>
-                  <a:schemeClr val="tx1"/>
-                </a:solidFill>
-                <a:latin typeface="+mn-lt"/>
-                <a:ea typeface="+mn-ea"/>
-                <a:cs typeface="+mn-cs"/>
-              </a:defRPr>
-            </a:lvl9pPr>
-          </a:lstStyle>
-          <a:p>
-            <a:pPr marL="0" indent="0">
-              <a:buNone/>
-            </a:pPr>
-            <a:r>
-              <a:rPr lang="en-US" sz="3600" b="1" dirty="0">
-                <a:latin typeface="Lato"/>
-              </a:rPr>
-              <a:t>Tableized Test</a:t>
-            </a:r>
-            <a:endParaRPr lang="en-US" sz="2400" b="1" dirty="0"/>
-          </a:p>
-        </p:txBody>
-      </p:sp>
-      <p:pic>
-        <p:nvPicPr>
-          <p:cNvPr id="4" name="Picture 3">
-            <a:extLst>
-              <a:ext uri="{FF2B5EF4-FFF2-40B4-BE49-F238E27FC236}">
-                <a16:creationId xmlns:a16="http://schemas.microsoft.com/office/drawing/2014/main" id="{53C6886A-7ECE-4204-8BAF-25EC4EA80D24}"/>
-              </a:ext>
-            </a:extLst>
-          </p:cNvPr>
-          <p:cNvPicPr>
-            <a:picLocks noChangeAspect="1"/>
-          </p:cNvPicPr>
-          <p:nvPr/>
-        </p:nvPicPr>
-        <p:blipFill>
-          <a:blip r:embed="rId2"/>
-          <a:stretch>
-            <a:fillRect/>
-          </a:stretch>
-        </p:blipFill>
-        <p:spPr>
-          <a:xfrm>
-            <a:off x="1728178" y="1521303"/>
-            <a:ext cx="8735644" cy="4725059"/>
-          </a:xfrm>
-          <a:prstGeom prst="rect">
-            <a:avLst/>
-          </a:prstGeom>
-        </p:spPr>
-      </p:pic>
-    </p:spTree>
-    <p:extLst>
-      <p:ext uri="{BB962C8B-B14F-4D97-AF65-F5344CB8AC3E}">
-        <p14:creationId xmlns:p14="http://schemas.microsoft.com/office/powerpoint/2010/main" val="1708673081"/>
       </p:ext>
     </p:extLst>
   </p:cSld>

--- a/slide/Behave.pptx
+++ b/slide/Behave.pptx
@@ -13,11 +13,14 @@
     <p:sldId id="261" r:id="rId7"/>
     <p:sldId id="262" r:id="rId8"/>
     <p:sldId id="263" r:id="rId9"/>
-    <p:sldId id="265" r:id="rId10"/>
-    <p:sldId id="257" r:id="rId11"/>
-    <p:sldId id="268" r:id="rId12"/>
-    <p:sldId id="264" r:id="rId13"/>
-    <p:sldId id="266" r:id="rId14"/>
+    <p:sldId id="269" r:id="rId10"/>
+    <p:sldId id="271" r:id="rId11"/>
+    <p:sldId id="257" r:id="rId12"/>
+    <p:sldId id="270" r:id="rId13"/>
+    <p:sldId id="265" r:id="rId14"/>
+    <p:sldId id="268" r:id="rId15"/>
+    <p:sldId id="264" r:id="rId16"/>
+    <p:sldId id="266" r:id="rId17"/>
   </p:sldIdLst>
   <p:sldSz cx="12192000" cy="6858000"/>
   <p:notesSz cx="6858000" cy="9144000"/>
@@ -129,8 +132,11 @@
             <p14:sldId id="261"/>
             <p14:sldId id="262"/>
             <p14:sldId id="263"/>
+            <p14:sldId id="269"/>
+            <p14:sldId id="271"/>
+            <p14:sldId id="257"/>
+            <p14:sldId id="270"/>
             <p14:sldId id="265"/>
-            <p14:sldId id="257"/>
             <p14:sldId id="268"/>
             <p14:sldId id="264"/>
             <p14:sldId id="266"/>
@@ -615,7 +621,7 @@
           <a:p>
             <a:fld id="{C940710D-0A44-495E-9CBA-822601C79524}" type="datetimeFigureOut">
               <a:rPr lang="en-US" smtClean="0"/>
-              <a:t>4/23/2021</a:t>
+              <a:t>4/24/2021</a:t>
             </a:fld>
             <a:endParaRPr lang="en-US"/>
           </a:p>
@@ -819,7 +825,7 @@
           <a:p>
             <a:fld id="{C940710D-0A44-495E-9CBA-822601C79524}" type="datetimeFigureOut">
               <a:rPr lang="en-US" smtClean="0"/>
-              <a:t>4/23/2021</a:t>
+              <a:t>4/24/2021</a:t>
             </a:fld>
             <a:endParaRPr lang="en-US"/>
           </a:p>
@@ -1023,7 +1029,7 @@
           <a:p>
             <a:fld id="{C940710D-0A44-495E-9CBA-822601C79524}" type="datetimeFigureOut">
               <a:rPr lang="en-US" smtClean="0"/>
-              <a:t>4/23/2021</a:t>
+              <a:t>4/24/2021</a:t>
             </a:fld>
             <a:endParaRPr lang="en-US"/>
           </a:p>
@@ -1229,7 +1235,7 @@
           <a:p>
             <a:fld id="{C940710D-0A44-495E-9CBA-822601C79524}" type="datetimeFigureOut">
               <a:rPr lang="en-US" smtClean="0"/>
-              <a:t>4/23/2021</a:t>
+              <a:t>4/24/2021</a:t>
             </a:fld>
             <a:endParaRPr lang="en-US"/>
           </a:p>
@@ -1827,7 +1833,7 @@
           <a:p>
             <a:fld id="{C940710D-0A44-495E-9CBA-822601C79524}" type="datetimeFigureOut">
               <a:rPr lang="en-US" smtClean="0"/>
-              <a:t>4/23/2021</a:t>
+              <a:t>4/24/2021</a:t>
             </a:fld>
             <a:endParaRPr lang="en-US"/>
           </a:p>
@@ -2149,7 +2155,7 @@
           <a:p>
             <a:fld id="{C940710D-0A44-495E-9CBA-822601C79524}" type="datetimeFigureOut">
               <a:rPr lang="en-US" smtClean="0"/>
-              <a:t>4/23/2021</a:t>
+              <a:t>4/24/2021</a:t>
             </a:fld>
             <a:endParaRPr lang="en-US"/>
           </a:p>
@@ -2610,7 +2616,7 @@
           <a:p>
             <a:fld id="{C940710D-0A44-495E-9CBA-822601C79524}" type="datetimeFigureOut">
               <a:rPr lang="en-US" smtClean="0"/>
-              <a:t>4/23/2021</a:t>
+              <a:t>4/24/2021</a:t>
             </a:fld>
             <a:endParaRPr lang="en-US"/>
           </a:p>
@@ -2752,7 +2758,7 @@
           <a:p>
             <a:fld id="{C940710D-0A44-495E-9CBA-822601C79524}" type="datetimeFigureOut">
               <a:rPr lang="en-US" smtClean="0"/>
-              <a:t>4/23/2021</a:t>
+              <a:t>4/24/2021</a:t>
             </a:fld>
             <a:endParaRPr lang="en-US"/>
           </a:p>
@@ -2871,7 +2877,7 @@
           <a:p>
             <a:fld id="{C940710D-0A44-495E-9CBA-822601C79524}" type="datetimeFigureOut">
               <a:rPr lang="en-US" smtClean="0"/>
-              <a:t>4/23/2021</a:t>
+              <a:t>4/24/2021</a:t>
             </a:fld>
             <a:endParaRPr lang="en-US"/>
           </a:p>
@@ -3294,7 +3300,7 @@
           <a:p>
             <a:fld id="{C940710D-0A44-495E-9CBA-822601C79524}" type="datetimeFigureOut">
               <a:rPr lang="en-US" smtClean="0"/>
-              <a:t>4/23/2021</a:t>
+              <a:t>4/24/2021</a:t>
             </a:fld>
             <a:endParaRPr lang="en-US"/>
           </a:p>
@@ -3736,7 +3742,7 @@
           <a:p>
             <a:fld id="{C940710D-0A44-495E-9CBA-822601C79524}" type="datetimeFigureOut">
               <a:rPr lang="en-US" smtClean="0"/>
-              <a:t>4/23/2021</a:t>
+              <a:t>4/24/2021</a:t>
             </a:fld>
             <a:endParaRPr lang="en-US"/>
           </a:p>
@@ -4031,7 +4037,7 @@
           <a:p>
             <a:fld id="{C940710D-0A44-495E-9CBA-822601C79524}" type="datetimeFigureOut">
               <a:rPr lang="en-US" smtClean="0"/>
-              <a:t>4/23/2021</a:t>
+              <a:t>4/24/2021</a:t>
             </a:fld>
             <a:endParaRPr lang="en-US"/>
           </a:p>
@@ -4630,7 +4636,271 @@
         <p:spPr>
           <a:xfrm>
             <a:off x="917161" y="918824"/>
-            <a:ext cx="3185501" cy="602479"/>
+            <a:ext cx="3914721" cy="602479"/>
+          </a:xfrm>
+          <a:prstGeom prst="rect">
+            <a:avLst/>
+          </a:prstGeom>
+        </p:spPr>
+        <p:txBody>
+          <a:bodyPr>
+            <a:normAutofit fontScale="92500"/>
+          </a:bodyPr>
+          <a:lstStyle>
+            <a:lvl1pPr marL="228600" indent="-228600" algn="l" defTabSz="914400" rtl="0" eaLnBrk="1" latinLnBrk="0" hangingPunct="1">
+              <a:lnSpc>
+                <a:spcPct val="90000"/>
+              </a:lnSpc>
+              <a:spcBef>
+                <a:spcPts val="1000"/>
+              </a:spcBef>
+              <a:buFont typeface="Arial" panose="020B0604020202020204" pitchFamily="34" charset="0"/>
+              <a:buChar char="•"/>
+              <a:defRPr sz="2800" kern="1200">
+                <a:solidFill>
+                  <a:schemeClr val="tx1"/>
+                </a:solidFill>
+                <a:latin typeface="+mn-lt"/>
+                <a:ea typeface="+mn-ea"/>
+                <a:cs typeface="+mn-cs"/>
+              </a:defRPr>
+            </a:lvl1pPr>
+            <a:lvl2pPr marL="685800" indent="-228600" algn="l" defTabSz="914400" rtl="0" eaLnBrk="1" latinLnBrk="0" hangingPunct="1">
+              <a:lnSpc>
+                <a:spcPct val="90000"/>
+              </a:lnSpc>
+              <a:spcBef>
+                <a:spcPts val="500"/>
+              </a:spcBef>
+              <a:buFont typeface="Arial" panose="020B0604020202020204" pitchFamily="34" charset="0"/>
+              <a:buChar char="•"/>
+              <a:defRPr sz="2400" kern="1200">
+                <a:solidFill>
+                  <a:schemeClr val="tx1"/>
+                </a:solidFill>
+                <a:latin typeface="+mn-lt"/>
+                <a:ea typeface="+mn-ea"/>
+                <a:cs typeface="+mn-cs"/>
+              </a:defRPr>
+            </a:lvl2pPr>
+            <a:lvl3pPr marL="1143000" indent="-228600" algn="l" defTabSz="914400" rtl="0" eaLnBrk="1" latinLnBrk="0" hangingPunct="1">
+              <a:lnSpc>
+                <a:spcPct val="90000"/>
+              </a:lnSpc>
+              <a:spcBef>
+                <a:spcPts val="500"/>
+              </a:spcBef>
+              <a:buFont typeface="Arial" panose="020B0604020202020204" pitchFamily="34" charset="0"/>
+              <a:buChar char="•"/>
+              <a:defRPr sz="2000" kern="1200">
+                <a:solidFill>
+                  <a:schemeClr val="tx1"/>
+                </a:solidFill>
+                <a:latin typeface="+mn-lt"/>
+                <a:ea typeface="+mn-ea"/>
+                <a:cs typeface="+mn-cs"/>
+              </a:defRPr>
+            </a:lvl3pPr>
+            <a:lvl4pPr marL="1600200" indent="-228600" algn="l" defTabSz="914400" rtl="0" eaLnBrk="1" latinLnBrk="0" hangingPunct="1">
+              <a:lnSpc>
+                <a:spcPct val="90000"/>
+              </a:lnSpc>
+              <a:spcBef>
+                <a:spcPts val="500"/>
+              </a:spcBef>
+              <a:buFont typeface="Arial" panose="020B0604020202020204" pitchFamily="34" charset="0"/>
+              <a:buChar char="•"/>
+              <a:defRPr sz="1800" kern="1200">
+                <a:solidFill>
+                  <a:schemeClr val="tx1"/>
+                </a:solidFill>
+                <a:latin typeface="+mn-lt"/>
+                <a:ea typeface="+mn-ea"/>
+                <a:cs typeface="+mn-cs"/>
+              </a:defRPr>
+            </a:lvl4pPr>
+            <a:lvl5pPr marL="2057400" indent="-228600" algn="l" defTabSz="914400" rtl="0" eaLnBrk="1" latinLnBrk="0" hangingPunct="1">
+              <a:lnSpc>
+                <a:spcPct val="90000"/>
+              </a:lnSpc>
+              <a:spcBef>
+                <a:spcPts val="500"/>
+              </a:spcBef>
+              <a:buFont typeface="Arial" panose="020B0604020202020204" pitchFamily="34" charset="0"/>
+              <a:buChar char="•"/>
+              <a:defRPr sz="1800" kern="1200">
+                <a:solidFill>
+                  <a:schemeClr val="tx1"/>
+                </a:solidFill>
+                <a:latin typeface="+mn-lt"/>
+                <a:ea typeface="+mn-ea"/>
+                <a:cs typeface="+mn-cs"/>
+              </a:defRPr>
+            </a:lvl5pPr>
+            <a:lvl6pPr marL="2514600" indent="-228600" algn="l" defTabSz="914400" rtl="0" eaLnBrk="1" latinLnBrk="0" hangingPunct="1">
+              <a:lnSpc>
+                <a:spcPct val="90000"/>
+              </a:lnSpc>
+              <a:spcBef>
+                <a:spcPts val="500"/>
+              </a:spcBef>
+              <a:buFont typeface="Arial" panose="020B0604020202020204" pitchFamily="34" charset="0"/>
+              <a:buChar char="•"/>
+              <a:defRPr sz="1800" kern="1200">
+                <a:solidFill>
+                  <a:schemeClr val="tx1"/>
+                </a:solidFill>
+                <a:latin typeface="+mn-lt"/>
+                <a:ea typeface="+mn-ea"/>
+                <a:cs typeface="+mn-cs"/>
+              </a:defRPr>
+            </a:lvl6pPr>
+            <a:lvl7pPr marL="2971800" indent="-228600" algn="l" defTabSz="914400" rtl="0" eaLnBrk="1" latinLnBrk="0" hangingPunct="1">
+              <a:lnSpc>
+                <a:spcPct val="90000"/>
+              </a:lnSpc>
+              <a:spcBef>
+                <a:spcPts val="500"/>
+              </a:spcBef>
+              <a:buFont typeface="Arial" panose="020B0604020202020204" pitchFamily="34" charset="0"/>
+              <a:buChar char="•"/>
+              <a:defRPr sz="1800" kern="1200">
+                <a:solidFill>
+                  <a:schemeClr val="tx1"/>
+                </a:solidFill>
+                <a:latin typeface="+mn-lt"/>
+                <a:ea typeface="+mn-ea"/>
+                <a:cs typeface="+mn-cs"/>
+              </a:defRPr>
+            </a:lvl7pPr>
+            <a:lvl8pPr marL="3429000" indent="-228600" algn="l" defTabSz="914400" rtl="0" eaLnBrk="1" latinLnBrk="0" hangingPunct="1">
+              <a:lnSpc>
+                <a:spcPct val="90000"/>
+              </a:lnSpc>
+              <a:spcBef>
+                <a:spcPts val="500"/>
+              </a:spcBef>
+              <a:buFont typeface="Arial" panose="020B0604020202020204" pitchFamily="34" charset="0"/>
+              <a:buChar char="•"/>
+              <a:defRPr sz="1800" kern="1200">
+                <a:solidFill>
+                  <a:schemeClr val="tx1"/>
+                </a:solidFill>
+                <a:latin typeface="+mn-lt"/>
+                <a:ea typeface="+mn-ea"/>
+                <a:cs typeface="+mn-cs"/>
+              </a:defRPr>
+            </a:lvl8pPr>
+            <a:lvl9pPr marL="3886200" indent="-228600" algn="l" defTabSz="914400" rtl="0" eaLnBrk="1" latinLnBrk="0" hangingPunct="1">
+              <a:lnSpc>
+                <a:spcPct val="90000"/>
+              </a:lnSpc>
+              <a:spcBef>
+                <a:spcPts val="500"/>
+              </a:spcBef>
+              <a:buFont typeface="Arial" panose="020B0604020202020204" pitchFamily="34" charset="0"/>
+              <a:buChar char="•"/>
+              <a:defRPr sz="1800" kern="1200">
+                <a:solidFill>
+                  <a:schemeClr val="tx1"/>
+                </a:solidFill>
+                <a:latin typeface="+mn-lt"/>
+                <a:ea typeface="+mn-ea"/>
+                <a:cs typeface="+mn-cs"/>
+              </a:defRPr>
+            </a:lvl9pPr>
+          </a:lstStyle>
+          <a:p>
+            <a:pPr marL="0" indent="0">
+              <a:buNone/>
+            </a:pPr>
+            <a:r>
+              <a:rPr lang="en-US" sz="3600" b="1" dirty="0">
+                <a:latin typeface="Lato"/>
+              </a:rPr>
+              <a:t>Using Background</a:t>
+            </a:r>
+          </a:p>
+        </p:txBody>
+      </p:sp>
+      <p:pic>
+        <p:nvPicPr>
+          <p:cNvPr id="6" name="Picture 5">
+            <a:extLst>
+              <a:ext uri="{FF2B5EF4-FFF2-40B4-BE49-F238E27FC236}">
+                <a16:creationId xmlns:a16="http://schemas.microsoft.com/office/drawing/2014/main" id="{30A179F0-1EDD-463D-AA2B-D305541396C7}"/>
+              </a:ext>
+            </a:extLst>
+          </p:cNvPr>
+          <p:cNvPicPr>
+            <a:picLocks noChangeAspect="1"/>
+          </p:cNvPicPr>
+          <p:nvPr/>
+        </p:nvPicPr>
+        <p:blipFill>
+          <a:blip r:embed="rId2"/>
+          <a:stretch>
+            <a:fillRect/>
+          </a:stretch>
+        </p:blipFill>
+        <p:spPr>
+          <a:xfrm>
+            <a:off x="2061599" y="1758499"/>
+            <a:ext cx="8068801" cy="4534533"/>
+          </a:xfrm>
+          <a:prstGeom prst="rect">
+            <a:avLst/>
+          </a:prstGeom>
+        </p:spPr>
+      </p:pic>
+    </p:spTree>
+    <p:extLst>
+      <p:ext uri="{BB962C8B-B14F-4D97-AF65-F5344CB8AC3E}">
+        <p14:creationId xmlns:p14="http://schemas.microsoft.com/office/powerpoint/2010/main" val="535740164"/>
+      </p:ext>
+    </p:extLst>
+  </p:cSld>
+  <p:clrMapOvr>
+    <a:masterClrMapping/>
+  </p:clrMapOvr>
+</p:sld>
+</file>
+
+<file path=ppt/slides/slide11.xml><?xml version="1.0" encoding="utf-8"?>
+<p:sld xmlns:a="http://schemas.openxmlformats.org/drawingml/2006/main" xmlns:r="http://schemas.openxmlformats.org/officeDocument/2006/relationships" xmlns:p="http://schemas.openxmlformats.org/presentationml/2006/main">
+  <p:cSld>
+    <p:spTree>
+      <p:nvGrpSpPr>
+        <p:cNvPr id="1" name=""/>
+        <p:cNvGrpSpPr/>
+        <p:nvPr/>
+      </p:nvGrpSpPr>
+      <p:grpSpPr>
+        <a:xfrm>
+          <a:off x="0" y="0"/>
+          <a:ext cx="0" cy="0"/>
+          <a:chOff x="0" y="0"/>
+          <a:chExt cx="0" cy="0"/>
+        </a:xfrm>
+      </p:grpSpPr>
+      <p:sp>
+        <p:nvSpPr>
+          <p:cNvPr id="2" name="Subtitle 2">
+            <a:extLst>
+              <a:ext uri="{FF2B5EF4-FFF2-40B4-BE49-F238E27FC236}">
+                <a16:creationId xmlns:a16="http://schemas.microsoft.com/office/drawing/2014/main" id="{C7243ABB-FF26-472D-99CC-4734FBAA349B}"/>
+              </a:ext>
+            </a:extLst>
+          </p:cNvPr>
+          <p:cNvSpPr txBox="1">
+            <a:spLocks/>
+          </p:cNvSpPr>
+          <p:nvPr/>
+        </p:nvSpPr>
+        <p:spPr>
+          <a:xfrm>
+            <a:off x="917161" y="918824"/>
+            <a:ext cx="3856970" cy="602479"/>
           </a:xfrm>
           <a:prstGeom prst="rect">
             <a:avLst/>
@@ -4812,7 +5082,7 @@
               <a:rPr lang="en-US" sz="3600" b="1" dirty="0">
                 <a:latin typeface="Lato"/>
               </a:rPr>
-              <a:t>Tableized Test</a:t>
+              <a:t>Scenario Outline</a:t>
             </a:r>
             <a:endParaRPr lang="en-US" sz="2400" b="1" dirty="0"/>
           </a:p>
@@ -4861,7 +5131,805 @@
 </p:sld>
 </file>
 
-<file path=ppt/slides/slide11.xml><?xml version="1.0" encoding="utf-8"?>
+<file path=ppt/slides/slide12.xml><?xml version="1.0" encoding="utf-8"?>
+<p:sld xmlns:a="http://schemas.openxmlformats.org/drawingml/2006/main" xmlns:r="http://schemas.openxmlformats.org/officeDocument/2006/relationships" xmlns:p="http://schemas.openxmlformats.org/presentationml/2006/main">
+  <p:cSld>
+    <p:spTree>
+      <p:nvGrpSpPr>
+        <p:cNvPr id="1" name=""/>
+        <p:cNvGrpSpPr/>
+        <p:nvPr/>
+      </p:nvGrpSpPr>
+      <p:grpSpPr>
+        <a:xfrm>
+          <a:off x="0" y="0"/>
+          <a:ext cx="0" cy="0"/>
+          <a:chOff x="0" y="0"/>
+          <a:chExt cx="0" cy="0"/>
+        </a:xfrm>
+      </p:grpSpPr>
+      <p:sp>
+        <p:nvSpPr>
+          <p:cNvPr id="2" name="Subtitle 2">
+            <a:extLst>
+              <a:ext uri="{FF2B5EF4-FFF2-40B4-BE49-F238E27FC236}">
+                <a16:creationId xmlns:a16="http://schemas.microsoft.com/office/drawing/2014/main" id="{C7243ABB-FF26-472D-99CC-4734FBAA349B}"/>
+              </a:ext>
+            </a:extLst>
+          </p:cNvPr>
+          <p:cNvSpPr txBox="1">
+            <a:spLocks/>
+          </p:cNvSpPr>
+          <p:nvPr/>
+        </p:nvSpPr>
+        <p:spPr>
+          <a:xfrm>
+            <a:off x="917161" y="918824"/>
+            <a:ext cx="3856970" cy="602479"/>
+          </a:xfrm>
+          <a:prstGeom prst="rect">
+            <a:avLst/>
+          </a:prstGeom>
+        </p:spPr>
+        <p:txBody>
+          <a:bodyPr>
+            <a:normAutofit/>
+          </a:bodyPr>
+          <a:lstStyle>
+            <a:lvl1pPr marL="228600" indent="-228600" algn="l" defTabSz="914400" rtl="0" eaLnBrk="1" latinLnBrk="0" hangingPunct="1">
+              <a:lnSpc>
+                <a:spcPct val="90000"/>
+              </a:lnSpc>
+              <a:spcBef>
+                <a:spcPts val="1000"/>
+              </a:spcBef>
+              <a:buFont typeface="Arial" panose="020B0604020202020204" pitchFamily="34" charset="0"/>
+              <a:buChar char="•"/>
+              <a:defRPr sz="2800" kern="1200">
+                <a:solidFill>
+                  <a:schemeClr val="tx1"/>
+                </a:solidFill>
+                <a:latin typeface="+mn-lt"/>
+                <a:ea typeface="+mn-ea"/>
+                <a:cs typeface="+mn-cs"/>
+              </a:defRPr>
+            </a:lvl1pPr>
+            <a:lvl2pPr marL="685800" indent="-228600" algn="l" defTabSz="914400" rtl="0" eaLnBrk="1" latinLnBrk="0" hangingPunct="1">
+              <a:lnSpc>
+                <a:spcPct val="90000"/>
+              </a:lnSpc>
+              <a:spcBef>
+                <a:spcPts val="500"/>
+              </a:spcBef>
+              <a:buFont typeface="Arial" panose="020B0604020202020204" pitchFamily="34" charset="0"/>
+              <a:buChar char="•"/>
+              <a:defRPr sz="2400" kern="1200">
+                <a:solidFill>
+                  <a:schemeClr val="tx1"/>
+                </a:solidFill>
+                <a:latin typeface="+mn-lt"/>
+                <a:ea typeface="+mn-ea"/>
+                <a:cs typeface="+mn-cs"/>
+              </a:defRPr>
+            </a:lvl2pPr>
+            <a:lvl3pPr marL="1143000" indent="-228600" algn="l" defTabSz="914400" rtl="0" eaLnBrk="1" latinLnBrk="0" hangingPunct="1">
+              <a:lnSpc>
+                <a:spcPct val="90000"/>
+              </a:lnSpc>
+              <a:spcBef>
+                <a:spcPts val="500"/>
+              </a:spcBef>
+              <a:buFont typeface="Arial" panose="020B0604020202020204" pitchFamily="34" charset="0"/>
+              <a:buChar char="•"/>
+              <a:defRPr sz="2000" kern="1200">
+                <a:solidFill>
+                  <a:schemeClr val="tx1"/>
+                </a:solidFill>
+                <a:latin typeface="+mn-lt"/>
+                <a:ea typeface="+mn-ea"/>
+                <a:cs typeface="+mn-cs"/>
+              </a:defRPr>
+            </a:lvl3pPr>
+            <a:lvl4pPr marL="1600200" indent="-228600" algn="l" defTabSz="914400" rtl="0" eaLnBrk="1" latinLnBrk="0" hangingPunct="1">
+              <a:lnSpc>
+                <a:spcPct val="90000"/>
+              </a:lnSpc>
+              <a:spcBef>
+                <a:spcPts val="500"/>
+              </a:spcBef>
+              <a:buFont typeface="Arial" panose="020B0604020202020204" pitchFamily="34" charset="0"/>
+              <a:buChar char="•"/>
+              <a:defRPr sz="1800" kern="1200">
+                <a:solidFill>
+                  <a:schemeClr val="tx1"/>
+                </a:solidFill>
+                <a:latin typeface="+mn-lt"/>
+                <a:ea typeface="+mn-ea"/>
+                <a:cs typeface="+mn-cs"/>
+              </a:defRPr>
+            </a:lvl4pPr>
+            <a:lvl5pPr marL="2057400" indent="-228600" algn="l" defTabSz="914400" rtl="0" eaLnBrk="1" latinLnBrk="0" hangingPunct="1">
+              <a:lnSpc>
+                <a:spcPct val="90000"/>
+              </a:lnSpc>
+              <a:spcBef>
+                <a:spcPts val="500"/>
+              </a:spcBef>
+              <a:buFont typeface="Arial" panose="020B0604020202020204" pitchFamily="34" charset="0"/>
+              <a:buChar char="•"/>
+              <a:defRPr sz="1800" kern="1200">
+                <a:solidFill>
+                  <a:schemeClr val="tx1"/>
+                </a:solidFill>
+                <a:latin typeface="+mn-lt"/>
+                <a:ea typeface="+mn-ea"/>
+                <a:cs typeface="+mn-cs"/>
+              </a:defRPr>
+            </a:lvl5pPr>
+            <a:lvl6pPr marL="2514600" indent="-228600" algn="l" defTabSz="914400" rtl="0" eaLnBrk="1" latinLnBrk="0" hangingPunct="1">
+              <a:lnSpc>
+                <a:spcPct val="90000"/>
+              </a:lnSpc>
+              <a:spcBef>
+                <a:spcPts val="500"/>
+              </a:spcBef>
+              <a:buFont typeface="Arial" panose="020B0604020202020204" pitchFamily="34" charset="0"/>
+              <a:buChar char="•"/>
+              <a:defRPr sz="1800" kern="1200">
+                <a:solidFill>
+                  <a:schemeClr val="tx1"/>
+                </a:solidFill>
+                <a:latin typeface="+mn-lt"/>
+                <a:ea typeface="+mn-ea"/>
+                <a:cs typeface="+mn-cs"/>
+              </a:defRPr>
+            </a:lvl6pPr>
+            <a:lvl7pPr marL="2971800" indent="-228600" algn="l" defTabSz="914400" rtl="0" eaLnBrk="1" latinLnBrk="0" hangingPunct="1">
+              <a:lnSpc>
+                <a:spcPct val="90000"/>
+              </a:lnSpc>
+              <a:spcBef>
+                <a:spcPts val="500"/>
+              </a:spcBef>
+              <a:buFont typeface="Arial" panose="020B0604020202020204" pitchFamily="34" charset="0"/>
+              <a:buChar char="•"/>
+              <a:defRPr sz="1800" kern="1200">
+                <a:solidFill>
+                  <a:schemeClr val="tx1"/>
+                </a:solidFill>
+                <a:latin typeface="+mn-lt"/>
+                <a:ea typeface="+mn-ea"/>
+                <a:cs typeface="+mn-cs"/>
+              </a:defRPr>
+            </a:lvl7pPr>
+            <a:lvl8pPr marL="3429000" indent="-228600" algn="l" defTabSz="914400" rtl="0" eaLnBrk="1" latinLnBrk="0" hangingPunct="1">
+              <a:lnSpc>
+                <a:spcPct val="90000"/>
+              </a:lnSpc>
+              <a:spcBef>
+                <a:spcPts val="500"/>
+              </a:spcBef>
+              <a:buFont typeface="Arial" panose="020B0604020202020204" pitchFamily="34" charset="0"/>
+              <a:buChar char="•"/>
+              <a:defRPr sz="1800" kern="1200">
+                <a:solidFill>
+                  <a:schemeClr val="tx1"/>
+                </a:solidFill>
+                <a:latin typeface="+mn-lt"/>
+                <a:ea typeface="+mn-ea"/>
+                <a:cs typeface="+mn-cs"/>
+              </a:defRPr>
+            </a:lvl8pPr>
+            <a:lvl9pPr marL="3886200" indent="-228600" algn="l" defTabSz="914400" rtl="0" eaLnBrk="1" latinLnBrk="0" hangingPunct="1">
+              <a:lnSpc>
+                <a:spcPct val="90000"/>
+              </a:lnSpc>
+              <a:spcBef>
+                <a:spcPts val="500"/>
+              </a:spcBef>
+              <a:buFont typeface="Arial" panose="020B0604020202020204" pitchFamily="34" charset="0"/>
+              <a:buChar char="•"/>
+              <a:defRPr sz="1800" kern="1200">
+                <a:solidFill>
+                  <a:schemeClr val="tx1"/>
+                </a:solidFill>
+                <a:latin typeface="+mn-lt"/>
+                <a:ea typeface="+mn-ea"/>
+                <a:cs typeface="+mn-cs"/>
+              </a:defRPr>
+            </a:lvl9pPr>
+          </a:lstStyle>
+          <a:p>
+            <a:pPr marL="0" indent="0">
+              <a:buNone/>
+            </a:pPr>
+            <a:r>
+              <a:rPr lang="en-US" sz="3600" b="1" dirty="0">
+                <a:latin typeface="Lato"/>
+              </a:rPr>
+              <a:t>Tags</a:t>
+            </a:r>
+            <a:endParaRPr lang="en-US" sz="2400" b="1" dirty="0"/>
+          </a:p>
+        </p:txBody>
+      </p:sp>
+      <p:pic>
+        <p:nvPicPr>
+          <p:cNvPr id="5" name="Picture 4">
+            <a:extLst>
+              <a:ext uri="{FF2B5EF4-FFF2-40B4-BE49-F238E27FC236}">
+                <a16:creationId xmlns:a16="http://schemas.microsoft.com/office/drawing/2014/main" id="{1DEFB64B-A659-4ECC-8E2E-A88B4763D419}"/>
+              </a:ext>
+            </a:extLst>
+          </p:cNvPr>
+          <p:cNvPicPr>
+            <a:picLocks noChangeAspect="1"/>
+          </p:cNvPicPr>
+          <p:nvPr/>
+        </p:nvPicPr>
+        <p:blipFill>
+          <a:blip r:embed="rId2"/>
+          <a:stretch>
+            <a:fillRect/>
+          </a:stretch>
+        </p:blipFill>
+        <p:spPr>
+          <a:xfrm>
+            <a:off x="1961573" y="1879190"/>
+            <a:ext cx="8268854" cy="2753109"/>
+          </a:xfrm>
+          <a:prstGeom prst="rect">
+            <a:avLst/>
+          </a:prstGeom>
+        </p:spPr>
+      </p:pic>
+      <p:sp>
+        <p:nvSpPr>
+          <p:cNvPr id="6" name="Subtitle 2">
+            <a:extLst>
+              <a:ext uri="{FF2B5EF4-FFF2-40B4-BE49-F238E27FC236}">
+                <a16:creationId xmlns:a16="http://schemas.microsoft.com/office/drawing/2014/main" id="{3C710672-3F9F-4EC1-8C00-5FA0AC71E010}"/>
+              </a:ext>
+            </a:extLst>
+          </p:cNvPr>
+          <p:cNvSpPr txBox="1">
+            <a:spLocks/>
+          </p:cNvSpPr>
+          <p:nvPr/>
+        </p:nvSpPr>
+        <p:spPr>
+          <a:xfrm>
+            <a:off x="1868457" y="4990186"/>
+            <a:ext cx="6842405" cy="602479"/>
+          </a:xfrm>
+          <a:prstGeom prst="rect">
+            <a:avLst/>
+          </a:prstGeom>
+        </p:spPr>
+        <p:txBody>
+          <a:bodyPr>
+            <a:normAutofit/>
+          </a:bodyPr>
+          <a:lstStyle>
+            <a:lvl1pPr marL="228600" indent="-228600" algn="l" defTabSz="914400" rtl="0" eaLnBrk="1" latinLnBrk="0" hangingPunct="1">
+              <a:lnSpc>
+                <a:spcPct val="90000"/>
+              </a:lnSpc>
+              <a:spcBef>
+                <a:spcPts val="1000"/>
+              </a:spcBef>
+              <a:buFont typeface="Arial" panose="020B0604020202020204" pitchFamily="34" charset="0"/>
+              <a:buChar char="•"/>
+              <a:defRPr sz="2800" kern="1200">
+                <a:solidFill>
+                  <a:schemeClr val="tx1"/>
+                </a:solidFill>
+                <a:latin typeface="+mn-lt"/>
+                <a:ea typeface="+mn-ea"/>
+                <a:cs typeface="+mn-cs"/>
+              </a:defRPr>
+            </a:lvl1pPr>
+            <a:lvl2pPr marL="685800" indent="-228600" algn="l" defTabSz="914400" rtl="0" eaLnBrk="1" latinLnBrk="0" hangingPunct="1">
+              <a:lnSpc>
+                <a:spcPct val="90000"/>
+              </a:lnSpc>
+              <a:spcBef>
+                <a:spcPts val="500"/>
+              </a:spcBef>
+              <a:buFont typeface="Arial" panose="020B0604020202020204" pitchFamily="34" charset="0"/>
+              <a:buChar char="•"/>
+              <a:defRPr sz="2400" kern="1200">
+                <a:solidFill>
+                  <a:schemeClr val="tx1"/>
+                </a:solidFill>
+                <a:latin typeface="+mn-lt"/>
+                <a:ea typeface="+mn-ea"/>
+                <a:cs typeface="+mn-cs"/>
+              </a:defRPr>
+            </a:lvl2pPr>
+            <a:lvl3pPr marL="1143000" indent="-228600" algn="l" defTabSz="914400" rtl="0" eaLnBrk="1" latinLnBrk="0" hangingPunct="1">
+              <a:lnSpc>
+                <a:spcPct val="90000"/>
+              </a:lnSpc>
+              <a:spcBef>
+                <a:spcPts val="500"/>
+              </a:spcBef>
+              <a:buFont typeface="Arial" panose="020B0604020202020204" pitchFamily="34" charset="0"/>
+              <a:buChar char="•"/>
+              <a:defRPr sz="2000" kern="1200">
+                <a:solidFill>
+                  <a:schemeClr val="tx1"/>
+                </a:solidFill>
+                <a:latin typeface="+mn-lt"/>
+                <a:ea typeface="+mn-ea"/>
+                <a:cs typeface="+mn-cs"/>
+              </a:defRPr>
+            </a:lvl3pPr>
+            <a:lvl4pPr marL="1600200" indent="-228600" algn="l" defTabSz="914400" rtl="0" eaLnBrk="1" latinLnBrk="0" hangingPunct="1">
+              <a:lnSpc>
+                <a:spcPct val="90000"/>
+              </a:lnSpc>
+              <a:spcBef>
+                <a:spcPts val="500"/>
+              </a:spcBef>
+              <a:buFont typeface="Arial" panose="020B0604020202020204" pitchFamily="34" charset="0"/>
+              <a:buChar char="•"/>
+              <a:defRPr sz="1800" kern="1200">
+                <a:solidFill>
+                  <a:schemeClr val="tx1"/>
+                </a:solidFill>
+                <a:latin typeface="+mn-lt"/>
+                <a:ea typeface="+mn-ea"/>
+                <a:cs typeface="+mn-cs"/>
+              </a:defRPr>
+            </a:lvl4pPr>
+            <a:lvl5pPr marL="2057400" indent="-228600" algn="l" defTabSz="914400" rtl="0" eaLnBrk="1" latinLnBrk="0" hangingPunct="1">
+              <a:lnSpc>
+                <a:spcPct val="90000"/>
+              </a:lnSpc>
+              <a:spcBef>
+                <a:spcPts val="500"/>
+              </a:spcBef>
+              <a:buFont typeface="Arial" panose="020B0604020202020204" pitchFamily="34" charset="0"/>
+              <a:buChar char="•"/>
+              <a:defRPr sz="1800" kern="1200">
+                <a:solidFill>
+                  <a:schemeClr val="tx1"/>
+                </a:solidFill>
+                <a:latin typeface="+mn-lt"/>
+                <a:ea typeface="+mn-ea"/>
+                <a:cs typeface="+mn-cs"/>
+              </a:defRPr>
+            </a:lvl5pPr>
+            <a:lvl6pPr marL="2514600" indent="-228600" algn="l" defTabSz="914400" rtl="0" eaLnBrk="1" latinLnBrk="0" hangingPunct="1">
+              <a:lnSpc>
+                <a:spcPct val="90000"/>
+              </a:lnSpc>
+              <a:spcBef>
+                <a:spcPts val="500"/>
+              </a:spcBef>
+              <a:buFont typeface="Arial" panose="020B0604020202020204" pitchFamily="34" charset="0"/>
+              <a:buChar char="•"/>
+              <a:defRPr sz="1800" kern="1200">
+                <a:solidFill>
+                  <a:schemeClr val="tx1"/>
+                </a:solidFill>
+                <a:latin typeface="+mn-lt"/>
+                <a:ea typeface="+mn-ea"/>
+                <a:cs typeface="+mn-cs"/>
+              </a:defRPr>
+            </a:lvl6pPr>
+            <a:lvl7pPr marL="2971800" indent="-228600" algn="l" defTabSz="914400" rtl="0" eaLnBrk="1" latinLnBrk="0" hangingPunct="1">
+              <a:lnSpc>
+                <a:spcPct val="90000"/>
+              </a:lnSpc>
+              <a:spcBef>
+                <a:spcPts val="500"/>
+              </a:spcBef>
+              <a:buFont typeface="Arial" panose="020B0604020202020204" pitchFamily="34" charset="0"/>
+              <a:buChar char="•"/>
+              <a:defRPr sz="1800" kern="1200">
+                <a:solidFill>
+                  <a:schemeClr val="tx1"/>
+                </a:solidFill>
+                <a:latin typeface="+mn-lt"/>
+                <a:ea typeface="+mn-ea"/>
+                <a:cs typeface="+mn-cs"/>
+              </a:defRPr>
+            </a:lvl7pPr>
+            <a:lvl8pPr marL="3429000" indent="-228600" algn="l" defTabSz="914400" rtl="0" eaLnBrk="1" latinLnBrk="0" hangingPunct="1">
+              <a:lnSpc>
+                <a:spcPct val="90000"/>
+              </a:lnSpc>
+              <a:spcBef>
+                <a:spcPts val="500"/>
+              </a:spcBef>
+              <a:buFont typeface="Arial" panose="020B0604020202020204" pitchFamily="34" charset="0"/>
+              <a:buChar char="•"/>
+              <a:defRPr sz="1800" kern="1200">
+                <a:solidFill>
+                  <a:schemeClr val="tx1"/>
+                </a:solidFill>
+                <a:latin typeface="+mn-lt"/>
+                <a:ea typeface="+mn-ea"/>
+                <a:cs typeface="+mn-cs"/>
+              </a:defRPr>
+            </a:lvl8pPr>
+            <a:lvl9pPr marL="3886200" indent="-228600" algn="l" defTabSz="914400" rtl="0" eaLnBrk="1" latinLnBrk="0" hangingPunct="1">
+              <a:lnSpc>
+                <a:spcPct val="90000"/>
+              </a:lnSpc>
+              <a:spcBef>
+                <a:spcPts val="500"/>
+              </a:spcBef>
+              <a:buFont typeface="Arial" panose="020B0604020202020204" pitchFamily="34" charset="0"/>
+              <a:buChar char="•"/>
+              <a:defRPr sz="1800" kern="1200">
+                <a:solidFill>
+                  <a:schemeClr val="tx1"/>
+                </a:solidFill>
+                <a:latin typeface="+mn-lt"/>
+                <a:ea typeface="+mn-ea"/>
+                <a:cs typeface="+mn-cs"/>
+              </a:defRPr>
+            </a:lvl9pPr>
+          </a:lstStyle>
+          <a:p>
+            <a:pPr marL="0" indent="0">
+              <a:buNone/>
+            </a:pPr>
+            <a:r>
+              <a:rPr lang="en-US" sz="3600" b="1" dirty="0">
+                <a:latin typeface="Lato"/>
+              </a:rPr>
+              <a:t>&gt;behave --tag google</a:t>
+            </a:r>
+            <a:endParaRPr lang="en-US" sz="2400" b="1" dirty="0"/>
+          </a:p>
+        </p:txBody>
+      </p:sp>
+    </p:spTree>
+    <p:extLst>
+      <p:ext uri="{BB962C8B-B14F-4D97-AF65-F5344CB8AC3E}">
+        <p14:creationId xmlns:p14="http://schemas.microsoft.com/office/powerpoint/2010/main" val="2334866364"/>
+      </p:ext>
+    </p:extLst>
+  </p:cSld>
+  <p:clrMapOvr>
+    <a:masterClrMapping/>
+  </p:clrMapOvr>
+</p:sld>
+</file>
+
+<file path=ppt/slides/slide13.xml><?xml version="1.0" encoding="utf-8"?>
+<p:sld xmlns:a="http://schemas.openxmlformats.org/drawingml/2006/main" xmlns:r="http://schemas.openxmlformats.org/officeDocument/2006/relationships" xmlns:p="http://schemas.openxmlformats.org/presentationml/2006/main">
+  <p:cSld>
+    <p:spTree>
+      <p:nvGrpSpPr>
+        <p:cNvPr id="1" name=""/>
+        <p:cNvGrpSpPr/>
+        <p:nvPr/>
+      </p:nvGrpSpPr>
+      <p:grpSpPr>
+        <a:xfrm>
+          <a:off x="0" y="0"/>
+          <a:ext cx="0" cy="0"/>
+          <a:chOff x="0" y="0"/>
+          <a:chExt cx="0" cy="0"/>
+        </a:xfrm>
+      </p:grpSpPr>
+      <p:sp>
+        <p:nvSpPr>
+          <p:cNvPr id="2" name="Subtitle 2">
+            <a:extLst>
+              <a:ext uri="{FF2B5EF4-FFF2-40B4-BE49-F238E27FC236}">
+                <a16:creationId xmlns:a16="http://schemas.microsoft.com/office/drawing/2014/main" id="{C7243ABB-FF26-472D-99CC-4734FBAA349B}"/>
+              </a:ext>
+            </a:extLst>
+          </p:cNvPr>
+          <p:cNvSpPr txBox="1">
+            <a:spLocks/>
+          </p:cNvSpPr>
+          <p:nvPr/>
+        </p:nvSpPr>
+        <p:spPr>
+          <a:xfrm>
+            <a:off x="917161" y="918824"/>
+            <a:ext cx="3185501" cy="602479"/>
+          </a:xfrm>
+          <a:prstGeom prst="rect">
+            <a:avLst/>
+          </a:prstGeom>
+        </p:spPr>
+        <p:txBody>
+          <a:bodyPr>
+            <a:normAutofit/>
+          </a:bodyPr>
+          <a:lstStyle>
+            <a:lvl1pPr marL="228600" indent="-228600" algn="l" defTabSz="914400" rtl="0" eaLnBrk="1" latinLnBrk="0" hangingPunct="1">
+              <a:lnSpc>
+                <a:spcPct val="90000"/>
+              </a:lnSpc>
+              <a:spcBef>
+                <a:spcPts val="1000"/>
+              </a:spcBef>
+              <a:buFont typeface="Arial" panose="020B0604020202020204" pitchFamily="34" charset="0"/>
+              <a:buChar char="•"/>
+              <a:defRPr sz="2800" kern="1200">
+                <a:solidFill>
+                  <a:schemeClr val="tx1"/>
+                </a:solidFill>
+                <a:latin typeface="+mn-lt"/>
+                <a:ea typeface="+mn-ea"/>
+                <a:cs typeface="+mn-cs"/>
+              </a:defRPr>
+            </a:lvl1pPr>
+            <a:lvl2pPr marL="685800" indent="-228600" algn="l" defTabSz="914400" rtl="0" eaLnBrk="1" latinLnBrk="0" hangingPunct="1">
+              <a:lnSpc>
+                <a:spcPct val="90000"/>
+              </a:lnSpc>
+              <a:spcBef>
+                <a:spcPts val="500"/>
+              </a:spcBef>
+              <a:buFont typeface="Arial" panose="020B0604020202020204" pitchFamily="34" charset="0"/>
+              <a:buChar char="•"/>
+              <a:defRPr sz="2400" kern="1200">
+                <a:solidFill>
+                  <a:schemeClr val="tx1"/>
+                </a:solidFill>
+                <a:latin typeface="+mn-lt"/>
+                <a:ea typeface="+mn-ea"/>
+                <a:cs typeface="+mn-cs"/>
+              </a:defRPr>
+            </a:lvl2pPr>
+            <a:lvl3pPr marL="1143000" indent="-228600" algn="l" defTabSz="914400" rtl="0" eaLnBrk="1" latinLnBrk="0" hangingPunct="1">
+              <a:lnSpc>
+                <a:spcPct val="90000"/>
+              </a:lnSpc>
+              <a:spcBef>
+                <a:spcPts val="500"/>
+              </a:spcBef>
+              <a:buFont typeface="Arial" panose="020B0604020202020204" pitchFamily="34" charset="0"/>
+              <a:buChar char="•"/>
+              <a:defRPr sz="2000" kern="1200">
+                <a:solidFill>
+                  <a:schemeClr val="tx1"/>
+                </a:solidFill>
+                <a:latin typeface="+mn-lt"/>
+                <a:ea typeface="+mn-ea"/>
+                <a:cs typeface="+mn-cs"/>
+              </a:defRPr>
+            </a:lvl3pPr>
+            <a:lvl4pPr marL="1600200" indent="-228600" algn="l" defTabSz="914400" rtl="0" eaLnBrk="1" latinLnBrk="0" hangingPunct="1">
+              <a:lnSpc>
+                <a:spcPct val="90000"/>
+              </a:lnSpc>
+              <a:spcBef>
+                <a:spcPts val="500"/>
+              </a:spcBef>
+              <a:buFont typeface="Arial" panose="020B0604020202020204" pitchFamily="34" charset="0"/>
+              <a:buChar char="•"/>
+              <a:defRPr sz="1800" kern="1200">
+                <a:solidFill>
+                  <a:schemeClr val="tx1"/>
+                </a:solidFill>
+                <a:latin typeface="+mn-lt"/>
+                <a:ea typeface="+mn-ea"/>
+                <a:cs typeface="+mn-cs"/>
+              </a:defRPr>
+            </a:lvl4pPr>
+            <a:lvl5pPr marL="2057400" indent="-228600" algn="l" defTabSz="914400" rtl="0" eaLnBrk="1" latinLnBrk="0" hangingPunct="1">
+              <a:lnSpc>
+                <a:spcPct val="90000"/>
+              </a:lnSpc>
+              <a:spcBef>
+                <a:spcPts val="500"/>
+              </a:spcBef>
+              <a:buFont typeface="Arial" panose="020B0604020202020204" pitchFamily="34" charset="0"/>
+              <a:buChar char="•"/>
+              <a:defRPr sz="1800" kern="1200">
+                <a:solidFill>
+                  <a:schemeClr val="tx1"/>
+                </a:solidFill>
+                <a:latin typeface="+mn-lt"/>
+                <a:ea typeface="+mn-ea"/>
+                <a:cs typeface="+mn-cs"/>
+              </a:defRPr>
+            </a:lvl5pPr>
+            <a:lvl6pPr marL="2514600" indent="-228600" algn="l" defTabSz="914400" rtl="0" eaLnBrk="1" latinLnBrk="0" hangingPunct="1">
+              <a:lnSpc>
+                <a:spcPct val="90000"/>
+              </a:lnSpc>
+              <a:spcBef>
+                <a:spcPts val="500"/>
+              </a:spcBef>
+              <a:buFont typeface="Arial" panose="020B0604020202020204" pitchFamily="34" charset="0"/>
+              <a:buChar char="•"/>
+              <a:defRPr sz="1800" kern="1200">
+                <a:solidFill>
+                  <a:schemeClr val="tx1"/>
+                </a:solidFill>
+                <a:latin typeface="+mn-lt"/>
+                <a:ea typeface="+mn-ea"/>
+                <a:cs typeface="+mn-cs"/>
+              </a:defRPr>
+            </a:lvl6pPr>
+            <a:lvl7pPr marL="2971800" indent="-228600" algn="l" defTabSz="914400" rtl="0" eaLnBrk="1" latinLnBrk="0" hangingPunct="1">
+              <a:lnSpc>
+                <a:spcPct val="90000"/>
+              </a:lnSpc>
+              <a:spcBef>
+                <a:spcPts val="500"/>
+              </a:spcBef>
+              <a:buFont typeface="Arial" panose="020B0604020202020204" pitchFamily="34" charset="0"/>
+              <a:buChar char="•"/>
+              <a:defRPr sz="1800" kern="1200">
+                <a:solidFill>
+                  <a:schemeClr val="tx1"/>
+                </a:solidFill>
+                <a:latin typeface="+mn-lt"/>
+                <a:ea typeface="+mn-ea"/>
+                <a:cs typeface="+mn-cs"/>
+              </a:defRPr>
+            </a:lvl7pPr>
+            <a:lvl8pPr marL="3429000" indent="-228600" algn="l" defTabSz="914400" rtl="0" eaLnBrk="1" latinLnBrk="0" hangingPunct="1">
+              <a:lnSpc>
+                <a:spcPct val="90000"/>
+              </a:lnSpc>
+              <a:spcBef>
+                <a:spcPts val="500"/>
+              </a:spcBef>
+              <a:buFont typeface="Arial" panose="020B0604020202020204" pitchFamily="34" charset="0"/>
+              <a:buChar char="•"/>
+              <a:defRPr sz="1800" kern="1200">
+                <a:solidFill>
+                  <a:schemeClr val="tx1"/>
+                </a:solidFill>
+                <a:latin typeface="+mn-lt"/>
+                <a:ea typeface="+mn-ea"/>
+                <a:cs typeface="+mn-cs"/>
+              </a:defRPr>
+            </a:lvl8pPr>
+            <a:lvl9pPr marL="3886200" indent="-228600" algn="l" defTabSz="914400" rtl="0" eaLnBrk="1" latinLnBrk="0" hangingPunct="1">
+              <a:lnSpc>
+                <a:spcPct val="90000"/>
+              </a:lnSpc>
+              <a:spcBef>
+                <a:spcPts val="500"/>
+              </a:spcBef>
+              <a:buFont typeface="Arial" panose="020B0604020202020204" pitchFamily="34" charset="0"/>
+              <a:buChar char="•"/>
+              <a:defRPr sz="1800" kern="1200">
+                <a:solidFill>
+                  <a:schemeClr val="tx1"/>
+                </a:solidFill>
+                <a:latin typeface="+mn-lt"/>
+                <a:ea typeface="+mn-ea"/>
+                <a:cs typeface="+mn-cs"/>
+              </a:defRPr>
+            </a:lvl9pPr>
+          </a:lstStyle>
+          <a:p>
+            <a:pPr marL="0" indent="0">
+              <a:buNone/>
+            </a:pPr>
+            <a:r>
+              <a:rPr lang="en-US" sz="3600" b="1" dirty="0">
+                <a:latin typeface="Lato"/>
+              </a:rPr>
+              <a:t>Steps</a:t>
+            </a:r>
+          </a:p>
+        </p:txBody>
+      </p:sp>
+      <p:sp>
+        <p:nvSpPr>
+          <p:cNvPr id="5" name="TextBox 4">
+            <a:extLst>
+              <a:ext uri="{FF2B5EF4-FFF2-40B4-BE49-F238E27FC236}">
+                <a16:creationId xmlns:a16="http://schemas.microsoft.com/office/drawing/2014/main" id="{4287866A-C65C-45ED-BE3A-618745E7CC33}"/>
+              </a:ext>
+            </a:extLst>
+          </p:cNvPr>
+          <p:cNvSpPr txBox="1"/>
+          <p:nvPr/>
+        </p:nvSpPr>
+        <p:spPr>
+          <a:xfrm>
+            <a:off x="798673" y="2644170"/>
+            <a:ext cx="10594653" cy="1077218"/>
+          </a:xfrm>
+          <a:prstGeom prst="rect">
+            <a:avLst/>
+          </a:prstGeom>
+          <a:noFill/>
+        </p:spPr>
+        <p:txBody>
+          <a:bodyPr wrap="square">
+            <a:spAutoFit/>
+          </a:bodyPr>
+          <a:lstStyle/>
+          <a:p>
+            <a:pPr algn="ctr"/>
+            <a:r>
+              <a:rPr lang="en-US" sz="3200" b="1" i="0" dirty="0">
+                <a:effectLst/>
+                <a:latin typeface="Lucida Grande"/>
+              </a:rPr>
+              <a:t>Python codes that are link between the descriptive tests in .feature files and the actual application code.</a:t>
+            </a:r>
+            <a:endParaRPr lang="en-US" sz="3200" b="1" dirty="0">
+              <a:latin typeface="Lucida Grande"/>
+            </a:endParaRPr>
+          </a:p>
+        </p:txBody>
+      </p:sp>
+      <p:sp>
+        <p:nvSpPr>
+          <p:cNvPr id="3" name="Rectangle 2">
+            <a:extLst>
+              <a:ext uri="{FF2B5EF4-FFF2-40B4-BE49-F238E27FC236}">
+                <a16:creationId xmlns:a16="http://schemas.microsoft.com/office/drawing/2014/main" id="{41CB15F7-2844-433D-A9CB-8176698C3316}"/>
+              </a:ext>
+            </a:extLst>
+          </p:cNvPr>
+          <p:cNvSpPr/>
+          <p:nvPr/>
+        </p:nvSpPr>
+        <p:spPr>
+          <a:xfrm>
+            <a:off x="2444817" y="3205213"/>
+            <a:ext cx="1657845" cy="516175"/>
+          </a:xfrm>
+          <a:prstGeom prst="rect">
+            <a:avLst/>
+          </a:prstGeom>
+          <a:solidFill>
+            <a:schemeClr val="tx1">
+              <a:alpha val="50000"/>
+            </a:schemeClr>
+          </a:solidFill>
+          <a:ln>
+            <a:noFill/>
+          </a:ln>
+        </p:spPr>
+        <p:style>
+          <a:lnRef idx="0">
+            <a:scrgbClr r="0" g="0" b="0"/>
+          </a:lnRef>
+          <a:fillRef idx="0">
+            <a:scrgbClr r="0" g="0" b="0"/>
+          </a:fillRef>
+          <a:effectRef idx="0">
+            <a:scrgbClr r="0" g="0" b="0"/>
+          </a:effectRef>
+          <a:fontRef idx="minor">
+            <a:schemeClr val="lt1"/>
+          </a:fontRef>
+        </p:style>
+        <p:txBody>
+          <a:bodyPr rtlCol="0" anchor="ctr"/>
+          <a:lstStyle/>
+          <a:p>
+            <a:pPr algn="ctr"/>
+            <a:endParaRPr lang="en-US"/>
+          </a:p>
+        </p:txBody>
+      </p:sp>
+    </p:spTree>
+    <p:extLst>
+      <p:ext uri="{BB962C8B-B14F-4D97-AF65-F5344CB8AC3E}">
+        <p14:creationId xmlns:p14="http://schemas.microsoft.com/office/powerpoint/2010/main" val="421621660"/>
+      </p:ext>
+    </p:extLst>
+  </p:cSld>
+  <p:clrMapOvr>
+    <a:masterClrMapping/>
+  </p:clrMapOvr>
+</p:sld>
+</file>
+
+<file path=ppt/slides/slide14.xml><?xml version="1.0" encoding="utf-8"?>
 <p:sld xmlns:a="http://schemas.openxmlformats.org/drawingml/2006/main" xmlns:r="http://schemas.openxmlformats.org/officeDocument/2006/relationships" xmlns:p="http://schemas.openxmlformats.org/presentationml/2006/main">
   <p:cSld>
     <p:bg>
@@ -5944,7 +7012,7 @@
 </p:sld>
 </file>
 
-<file path=ppt/slides/slide12.xml><?xml version="1.0" encoding="utf-8"?>
+<file path=ppt/slides/slide15.xml><?xml version="1.0" encoding="utf-8"?>
 <p:sld xmlns:a="http://schemas.openxmlformats.org/drawingml/2006/main" xmlns:r="http://schemas.openxmlformats.org/officeDocument/2006/relationships" xmlns:p="http://schemas.openxmlformats.org/presentationml/2006/main">
   <p:cSld>
     <p:bg>
@@ -7574,7 +8642,7 @@
 </p:sld>
 </file>
 
-<file path=ppt/slides/slide13.xml><?xml version="1.0" encoding="utf-8"?>
+<file path=ppt/slides/slide16.xml><?xml version="1.0" encoding="utf-8"?>
 <p:sld xmlns:a="http://schemas.openxmlformats.org/drawingml/2006/main" xmlns:r="http://schemas.openxmlformats.org/officeDocument/2006/relationships" xmlns:p="http://schemas.openxmlformats.org/presentationml/2006/main">
   <p:cSld>
     <p:bg>
@@ -8491,7 +9559,7 @@
               <a:rPr lang="en-US" sz="3600" b="1" dirty="0">
                 <a:latin typeface="Lato"/>
               </a:rPr>
-              <a:t>TDD vs BDD</a:t>
+              <a:t>What is BDD</a:t>
             </a:r>
             <a:endParaRPr lang="en-US" sz="2400" b="1" dirty="0">
               <a:solidFill>
@@ -8515,8 +9583,8 @@
         </p:nvSpPr>
         <p:spPr>
           <a:xfrm>
-            <a:off x="3047326" y="2825571"/>
-            <a:ext cx="6097348" cy="1077218"/>
+            <a:off x="770021" y="2825571"/>
+            <a:ext cx="10674417" cy="1077218"/>
           </a:xfrm>
           <a:prstGeom prst="rect">
             <a:avLst/>
@@ -8531,11 +9599,11 @@
           <a:p>
             <a:pPr algn="ctr"/>
             <a:r>
-              <a:rPr lang="en-US" sz="3200" b="1" i="0" dirty="0">
+              <a:rPr lang="en-US" sz="3200" b="0" i="0" dirty="0">
                 <a:effectLst/>
-                <a:latin typeface="proxima-nova"/>
+                <a:latin typeface="charter"/>
               </a:rPr>
-              <a:t>we should test how an application behaves in certain situations</a:t>
+              <a:t> BDD uses human-readable descriptions of software user requirements as the basis for software tests.</a:t>
             </a:r>
             <a:endParaRPr lang="en-US" sz="3200" b="1" dirty="0"/>
           </a:p>
@@ -10348,7 +11416,7 @@
         <p:spPr>
           <a:xfrm>
             <a:off x="917161" y="918824"/>
-            <a:ext cx="3185501" cy="602479"/>
+            <a:ext cx="3914721" cy="602479"/>
           </a:xfrm>
           <a:prstGeom prst="rect">
             <a:avLst/>
@@ -10530,109 +11598,45 @@
               <a:rPr lang="en-US" sz="3600" b="1" dirty="0">
                 <a:latin typeface="Lato"/>
               </a:rPr>
-              <a:t>Steps</a:t>
+              <a:t>Other Keywords</a:t>
             </a:r>
           </a:p>
         </p:txBody>
       </p:sp>
-      <p:sp>
-        <p:nvSpPr>
-          <p:cNvPr id="5" name="TextBox 4">
+      <p:pic>
+        <p:nvPicPr>
+          <p:cNvPr id="8" name="Picture 7">
             <a:extLst>
               <a:ext uri="{FF2B5EF4-FFF2-40B4-BE49-F238E27FC236}">
-                <a16:creationId xmlns:a16="http://schemas.microsoft.com/office/drawing/2014/main" id="{4287866A-C65C-45ED-BE3A-618745E7CC33}"/>
+                <a16:creationId xmlns:a16="http://schemas.microsoft.com/office/drawing/2014/main" id="{9B277CE3-8404-4358-8263-B66D6305268B}"/>
               </a:ext>
             </a:extLst>
           </p:cNvPr>
-          <p:cNvSpPr txBox="1"/>
+          <p:cNvPicPr>
+            <a:picLocks noChangeAspect="1"/>
+          </p:cNvPicPr>
           <p:nvPr/>
-        </p:nvSpPr>
+        </p:nvPicPr>
+        <p:blipFill>
+          <a:blip r:embed="rId2"/>
+          <a:stretch>
+            <a:fillRect/>
+          </a:stretch>
+        </p:blipFill>
         <p:spPr>
           <a:xfrm>
-            <a:off x="798673" y="2644170"/>
-            <a:ext cx="10594653" cy="1077218"/>
+            <a:off x="2033020" y="2285134"/>
+            <a:ext cx="8125959" cy="3077004"/>
           </a:xfrm>
           <a:prstGeom prst="rect">
             <a:avLst/>
           </a:prstGeom>
-          <a:noFill/>
         </p:spPr>
-        <p:txBody>
-          <a:bodyPr wrap="square">
-            <a:spAutoFit/>
-          </a:bodyPr>
-          <a:lstStyle/>
-          <a:p>
-            <a:pPr algn="ctr"/>
-            <a:r>
-              <a:rPr lang="en-US" sz="3200" b="1" i="0" dirty="0">
-                <a:effectLst/>
-                <a:latin typeface="Lucida Grande"/>
-              </a:rPr>
-              <a:t>Python codes that are link between the descriptive tests in .feature files and the actual application code.</a:t>
-            </a:r>
-            <a:endParaRPr lang="en-US" sz="3200" b="1" dirty="0">
-              <a:latin typeface="Lucida Grande"/>
-            </a:endParaRPr>
-          </a:p>
-        </p:txBody>
-      </p:sp>
-      <p:sp>
-        <p:nvSpPr>
-          <p:cNvPr id="3" name="Rectangle 2">
-            <a:extLst>
-              <a:ext uri="{FF2B5EF4-FFF2-40B4-BE49-F238E27FC236}">
-                <a16:creationId xmlns:a16="http://schemas.microsoft.com/office/drawing/2014/main" id="{41CB15F7-2844-433D-A9CB-8176698C3316}"/>
-              </a:ext>
-            </a:extLst>
-          </p:cNvPr>
-          <p:cNvSpPr/>
-          <p:nvPr/>
-        </p:nvSpPr>
-        <p:spPr>
-          <a:xfrm>
-            <a:off x="2444817" y="3205213"/>
-            <a:ext cx="1657845" cy="516175"/>
-          </a:xfrm>
-          <a:prstGeom prst="rect">
-            <a:avLst/>
-          </a:prstGeom>
-          <a:solidFill>
-            <a:schemeClr val="tx1">
-              <a:alpha val="50000"/>
-            </a:schemeClr>
-          </a:solidFill>
-          <a:ln>
-            <a:noFill/>
-          </a:ln>
-        </p:spPr>
-        <p:style>
-          <a:lnRef idx="0">
-            <a:scrgbClr r="0" g="0" b="0"/>
-          </a:lnRef>
-          <a:fillRef idx="0">
-            <a:scrgbClr r="0" g="0" b="0"/>
-          </a:fillRef>
-          <a:effectRef idx="0">
-            <a:scrgbClr r="0" g="0" b="0"/>
-          </a:effectRef>
-          <a:fontRef idx="minor">
-            <a:schemeClr val="lt1"/>
-          </a:fontRef>
-        </p:style>
-        <p:txBody>
-          <a:bodyPr rtlCol="0" anchor="ctr"/>
-          <a:lstStyle/>
-          <a:p>
-            <a:pPr algn="ctr"/>
-            <a:endParaRPr lang="en-US"/>
-          </a:p>
-        </p:txBody>
-      </p:sp>
+      </p:pic>
     </p:spTree>
     <p:extLst>
       <p:ext uri="{BB962C8B-B14F-4D97-AF65-F5344CB8AC3E}">
-        <p14:creationId xmlns:p14="http://schemas.microsoft.com/office/powerpoint/2010/main" val="421621660"/>
+        <p14:creationId xmlns:p14="http://schemas.microsoft.com/office/powerpoint/2010/main" val="3851050184"/>
       </p:ext>
     </p:extLst>
   </p:cSld>
